--- a/idea.pptx
+++ b/idea.pptx
@@ -7,15 +7,14 @@
   <p:sldIdLst>
     <p:sldId id="256" r:id="rId2"/>
     <p:sldId id="262" r:id="rId3"/>
-    <p:sldId id="268" r:id="rId4"/>
-    <p:sldId id="257" r:id="rId5"/>
-    <p:sldId id="258" r:id="rId6"/>
-    <p:sldId id="260" r:id="rId7"/>
-    <p:sldId id="261" r:id="rId8"/>
-    <p:sldId id="259" r:id="rId9"/>
-    <p:sldId id="265" r:id="rId10"/>
-    <p:sldId id="263" r:id="rId11"/>
-    <p:sldId id="267" r:id="rId12"/>
+    <p:sldId id="257" r:id="rId4"/>
+    <p:sldId id="258" r:id="rId5"/>
+    <p:sldId id="260" r:id="rId6"/>
+    <p:sldId id="259" r:id="rId7"/>
+    <p:sldId id="265" r:id="rId8"/>
+    <p:sldId id="263" r:id="rId9"/>
+    <p:sldId id="268" r:id="rId10"/>
+    <p:sldId id="267" r:id="rId11"/>
   </p:sldIdLst>
   <p:sldSz cx="12192000" cy="6858000"/>
   <p:notesSz cx="6858000" cy="9144000"/>
@@ -307,7 +306,7 @@
           <a:p>
             <a:fld id="{CE10AB7C-9206-4C49-9726-096B51DD732C}" type="datetimeFigureOut">
               <a:rPr lang="zh-CN" altLang="en-US" smtClean="0"/>
-              <a:t>2019/11/12</a:t>
+              <a:t>2019/11/14</a:t>
             </a:fld>
             <a:endParaRPr lang="zh-CN" altLang="en-US"/>
           </a:p>
@@ -605,7 +604,7 @@
           <a:p>
             <a:fld id="{CE10AB7C-9206-4C49-9726-096B51DD732C}" type="datetimeFigureOut">
               <a:rPr lang="zh-CN" altLang="en-US" smtClean="0"/>
-              <a:t>2019/11/12</a:t>
+              <a:t>2019/11/14</a:t>
             </a:fld>
             <a:endParaRPr lang="zh-CN" altLang="en-US"/>
           </a:p>
@@ -797,7 +796,7 @@
           <a:p>
             <a:fld id="{CE10AB7C-9206-4C49-9726-096B51DD732C}" type="datetimeFigureOut">
               <a:rPr lang="zh-CN" altLang="en-US" smtClean="0"/>
-              <a:t>2019/11/12</a:t>
+              <a:t>2019/11/14</a:t>
             </a:fld>
             <a:endParaRPr lang="zh-CN" altLang="en-US"/>
           </a:p>
@@ -1058,7 +1057,7 @@
           <a:p>
             <a:fld id="{CE10AB7C-9206-4C49-9726-096B51DD732C}" type="datetimeFigureOut">
               <a:rPr lang="zh-CN" altLang="en-US" smtClean="0"/>
-              <a:t>2019/11/12</a:t>
+              <a:t>2019/11/14</a:t>
             </a:fld>
             <a:endParaRPr lang="zh-CN" altLang="en-US"/>
           </a:p>
@@ -1482,7 +1481,7 @@
           <a:p>
             <a:fld id="{CE10AB7C-9206-4C49-9726-096B51DD732C}" type="datetimeFigureOut">
               <a:rPr lang="zh-CN" altLang="en-US" smtClean="0"/>
-              <a:t>2019/11/12</a:t>
+              <a:t>2019/11/14</a:t>
             </a:fld>
             <a:endParaRPr lang="zh-CN" altLang="en-US"/>
           </a:p>
@@ -2019,7 +2018,7 @@
           <a:p>
             <a:fld id="{CE10AB7C-9206-4C49-9726-096B51DD732C}" type="datetimeFigureOut">
               <a:rPr lang="zh-CN" altLang="en-US" smtClean="0"/>
-              <a:t>2019/11/12</a:t>
+              <a:t>2019/11/14</a:t>
             </a:fld>
             <a:endParaRPr lang="zh-CN" altLang="en-US"/>
           </a:p>
@@ -2883,7 +2882,7 @@
           <a:p>
             <a:fld id="{CE10AB7C-9206-4C49-9726-096B51DD732C}" type="datetimeFigureOut">
               <a:rPr lang="zh-CN" altLang="en-US" smtClean="0"/>
-              <a:t>2019/11/12</a:t>
+              <a:t>2019/11/14</a:t>
             </a:fld>
             <a:endParaRPr lang="zh-CN" altLang="en-US"/>
           </a:p>
@@ -3053,7 +3052,7 @@
           <a:p>
             <a:fld id="{CE10AB7C-9206-4C49-9726-096B51DD732C}" type="datetimeFigureOut">
               <a:rPr lang="zh-CN" altLang="en-US" smtClean="0"/>
-              <a:t>2019/11/12</a:t>
+              <a:t>2019/11/14</a:t>
             </a:fld>
             <a:endParaRPr lang="zh-CN" altLang="en-US"/>
           </a:p>
@@ -3237,7 +3236,7 @@
           <a:p>
             <a:fld id="{CE10AB7C-9206-4C49-9726-096B51DD732C}" type="datetimeFigureOut">
               <a:rPr lang="zh-CN" altLang="en-US" smtClean="0"/>
-              <a:t>2019/11/12</a:t>
+              <a:t>2019/11/14</a:t>
             </a:fld>
             <a:endParaRPr lang="zh-CN" altLang="en-US"/>
           </a:p>
@@ -3407,7 +3406,7 @@
           <a:p>
             <a:fld id="{CE10AB7C-9206-4C49-9726-096B51DD732C}" type="datetimeFigureOut">
               <a:rPr lang="zh-CN" altLang="en-US" smtClean="0"/>
-              <a:t>2019/11/12</a:t>
+              <a:t>2019/11/14</a:t>
             </a:fld>
             <a:endParaRPr lang="zh-CN" altLang="en-US"/>
           </a:p>
@@ -3651,7 +3650,7 @@
           <a:p>
             <a:fld id="{CE10AB7C-9206-4C49-9726-096B51DD732C}" type="datetimeFigureOut">
               <a:rPr lang="zh-CN" altLang="en-US" smtClean="0"/>
-              <a:t>2019/11/12</a:t>
+              <a:t>2019/11/14</a:t>
             </a:fld>
             <a:endParaRPr lang="zh-CN" altLang="en-US"/>
           </a:p>
@@ -3887,7 +3886,7 @@
           <a:p>
             <a:fld id="{CE10AB7C-9206-4C49-9726-096B51DD732C}" type="datetimeFigureOut">
               <a:rPr lang="zh-CN" altLang="en-US" smtClean="0"/>
-              <a:t>2019/11/12</a:t>
+              <a:t>2019/11/14</a:t>
             </a:fld>
             <a:endParaRPr lang="zh-CN" altLang="en-US"/>
           </a:p>
@@ -4353,7 +4352,7 @@
           <a:p>
             <a:fld id="{CE10AB7C-9206-4C49-9726-096B51DD732C}" type="datetimeFigureOut">
               <a:rPr lang="zh-CN" altLang="en-US" smtClean="0"/>
-              <a:t>2019/11/12</a:t>
+              <a:t>2019/11/14</a:t>
             </a:fld>
             <a:endParaRPr lang="zh-CN" altLang="en-US"/>
           </a:p>
@@ -4471,7 +4470,7 @@
           <a:p>
             <a:fld id="{CE10AB7C-9206-4C49-9726-096B51DD732C}" type="datetimeFigureOut">
               <a:rPr lang="zh-CN" altLang="en-US" smtClean="0"/>
-              <a:t>2019/11/12</a:t>
+              <a:t>2019/11/14</a:t>
             </a:fld>
             <a:endParaRPr lang="zh-CN" altLang="en-US"/>
           </a:p>
@@ -4566,7 +4565,7 @@
           <a:p>
             <a:fld id="{CE10AB7C-9206-4C49-9726-096B51DD732C}" type="datetimeFigureOut">
               <a:rPr lang="zh-CN" altLang="en-US" smtClean="0"/>
-              <a:t>2019/11/12</a:t>
+              <a:t>2019/11/14</a:t>
             </a:fld>
             <a:endParaRPr lang="zh-CN" altLang="en-US"/>
           </a:p>
@@ -4821,7 +4820,7 @@
           <a:p>
             <a:fld id="{CE10AB7C-9206-4C49-9726-096B51DD732C}" type="datetimeFigureOut">
               <a:rPr lang="zh-CN" altLang="en-US" smtClean="0"/>
-              <a:t>2019/11/12</a:t>
+              <a:t>2019/11/14</a:t>
             </a:fld>
             <a:endParaRPr lang="zh-CN" altLang="en-US"/>
           </a:p>
@@ -5121,7 +5120,7 @@
           <a:p>
             <a:fld id="{CE10AB7C-9206-4C49-9726-096B51DD732C}" type="datetimeFigureOut">
               <a:rPr lang="zh-CN" altLang="en-US" smtClean="0"/>
-              <a:t>2019/11/12</a:t>
+              <a:t>2019/11/14</a:t>
             </a:fld>
             <a:endParaRPr lang="zh-CN" altLang="en-US"/>
           </a:p>
@@ -5355,7 +5354,7 @@
           <a:p>
             <a:fld id="{CE10AB7C-9206-4C49-9726-096B51DD732C}" type="datetimeFigureOut">
               <a:rPr lang="zh-CN" altLang="en-US" smtClean="0"/>
-              <a:t>2019/11/12</a:t>
+              <a:t>2019/11/14</a:t>
             </a:fld>
             <a:endParaRPr lang="zh-CN" altLang="en-US"/>
           </a:p>
@@ -6103,14 +6102,6 @@
 <file path=ppt/slides/slide10.xml><?xml version="1.0" encoding="utf-8"?>
 <p:sld xmlns:a="http://schemas.openxmlformats.org/drawingml/2006/main" xmlns:r="http://schemas.openxmlformats.org/officeDocument/2006/relationships" xmlns:p="http://schemas.openxmlformats.org/presentationml/2006/main">
   <p:cSld>
-    <p:bg>
-      <p:bgPr>
-        <a:solidFill>
-          <a:schemeClr val="bg1"/>
-        </a:solidFill>
-        <a:effectLst/>
-      </p:bgPr>
-    </p:bg>
     <p:spTree>
       <p:nvGrpSpPr>
         <p:cNvPr id="1" name=""/>
@@ -6127,474 +6118,6 @@
       </p:grpSpPr>
       <p:sp>
         <p:nvSpPr>
-          <p:cNvPr id="71" name="Rectangle 70">
-            <a:extLst>
-              <a:ext uri="{FF2B5EF4-FFF2-40B4-BE49-F238E27FC236}">
-                <a16:creationId xmlns:a16="http://schemas.microsoft.com/office/drawing/2014/main" id="{6540ED7E-4309-4CF9-9C8D-82E304E02832}"/>
-              </a:ext>
-              <a:ext uri="{C183D7F6-B498-43B3-948B-1728B52AA6E4}">
-                <adec:decorative xmlns:adec="http://schemas.microsoft.com/office/drawing/2017/decorative" val="1"/>
-              </a:ext>
-            </a:extLst>
-          </p:cNvPr>
-          <p:cNvSpPr>
-            <a:spLocks noGrp="1" noRot="1" noChangeAspect="1" noMove="1" noResize="1" noEditPoints="1" noAdjustHandles="1" noChangeArrowheads="1" noChangeShapeType="1" noTextEdit="1"/>
-          </p:cNvSpPr>
-          <p:nvPr>
-            <p:extLst>
-              <p:ext uri="{386F3935-93C4-4BCD-93E2-E3B085C9AB24}">
-                <p16:designElem xmlns:p16="http://schemas.microsoft.com/office/powerpoint/2015/main" val="1"/>
-              </p:ext>
-            </p:extLst>
-          </p:nvPr>
-        </p:nvSpPr>
-        <p:spPr>
-          <a:xfrm>
-            <a:off x="0" y="0"/>
-            <a:ext cx="12192000" cy="6858000"/>
-          </a:xfrm>
-          <a:prstGeom prst="rect">
-            <a:avLst/>
-          </a:prstGeom>
-          <a:ln>
-            <a:noFill/>
-          </a:ln>
-        </p:spPr>
-        <p:style>
-          <a:lnRef idx="2">
-            <a:schemeClr val="accent1">
-              <a:shade val="50000"/>
-            </a:schemeClr>
-          </a:lnRef>
-          <a:fillRef idx="1003">
-            <a:schemeClr val="dk2"/>
-          </a:fillRef>
-          <a:effectRef idx="0">
-            <a:schemeClr val="accent1"/>
-          </a:effectRef>
-          <a:fontRef idx="minor">
-            <a:schemeClr val="lt1"/>
-          </a:fontRef>
-        </p:style>
-        <p:txBody>
-          <a:bodyPr rtlCol="0" anchor="ctr"/>
-          <a:lstStyle/>
-          <a:p>
-            <a:pPr algn="ctr"/>
-            <a:endParaRPr lang="en-US"/>
-          </a:p>
-        </p:txBody>
-      </p:sp>
-      <p:sp>
-        <p:nvSpPr>
-          <p:cNvPr id="2" name="标题 1">
-            <a:extLst>
-              <a:ext uri="{FF2B5EF4-FFF2-40B4-BE49-F238E27FC236}">
-                <a16:creationId xmlns:a16="http://schemas.microsoft.com/office/drawing/2014/main" id="{68D7470B-5CAA-4145-B0B7-E566F8318A98}"/>
-              </a:ext>
-            </a:extLst>
-          </p:cNvPr>
-          <p:cNvSpPr>
-            <a:spLocks noGrp="1"/>
-          </p:cNvSpPr>
-          <p:nvPr>
-            <p:ph type="title"/>
-          </p:nvPr>
-        </p:nvSpPr>
-        <p:spPr>
-          <a:xfrm>
-            <a:off x="6648857" y="965196"/>
-            <a:ext cx="4583022" cy="2633146"/>
-          </a:xfrm>
-        </p:spPr>
-        <p:txBody>
-          <a:bodyPr vert="horz" lIns="91440" tIns="45720" rIns="91440" bIns="45720" rtlCol="0" anchor="b">
-            <a:normAutofit/>
-          </a:bodyPr>
-          <a:lstStyle/>
-          <a:p>
-            <a:pPr>
-              <a:lnSpc>
-                <a:spcPct val="90000"/>
-              </a:lnSpc>
-            </a:pPr>
-            <a:r>
-              <a:rPr lang="en-US" altLang="zh-CN" sz="3000" u="sng" dirty="0" err="1">
-                <a:ln>
-                  <a:solidFill>
-                    <a:srgbClr val="000000">
-                      <a:alpha val="9804"/>
-                    </a:srgbClr>
-                  </a:solidFill>
-                </a:ln>
-                <a:solidFill>
-                  <a:srgbClr val="DADADA"/>
-                </a:solidFill>
-              </a:rPr>
-              <a:t>Teamfight</a:t>
-            </a:r>
-            <a:r>
-              <a:rPr lang="en-US" altLang="zh-CN" sz="3000" u="sng" dirty="0">
-                <a:ln>
-                  <a:solidFill>
-                    <a:srgbClr val="000000">
-                      <a:alpha val="9804"/>
-                    </a:srgbClr>
-                  </a:solidFill>
-                </a:ln>
-                <a:solidFill>
-                  <a:srgbClr val="DADADA"/>
-                </a:solidFill>
-              </a:rPr>
-              <a:t> Tactics </a:t>
-            </a:r>
-            <a:br>
-              <a:rPr lang="en-US" altLang="zh-CN" sz="3000" dirty="0">
-                <a:ln>
-                  <a:solidFill>
-                    <a:srgbClr val="000000">
-                      <a:alpha val="9804"/>
-                    </a:srgbClr>
-                  </a:solidFill>
-                </a:ln>
-                <a:solidFill>
-                  <a:srgbClr val="DADADA"/>
-                </a:solidFill>
-              </a:rPr>
-            </a:br>
-            <a:r>
-              <a:rPr lang="en-US" altLang="zh-CN" sz="3000" dirty="0">
-                <a:ln>
-                  <a:solidFill>
-                    <a:srgbClr val="000000">
-                      <a:alpha val="9804"/>
-                    </a:srgbClr>
-                  </a:solidFill>
-                </a:ln>
-                <a:solidFill>
-                  <a:srgbClr val="DADADA"/>
-                </a:solidFill>
-              </a:rPr>
-              <a:t>&amp;</a:t>
-            </a:r>
-            <a:br>
-              <a:rPr lang="en-US" altLang="zh-CN" sz="3000" dirty="0">
-                <a:ln>
-                  <a:solidFill>
-                    <a:srgbClr val="000000">
-                      <a:alpha val="9804"/>
-                    </a:srgbClr>
-                  </a:solidFill>
-                </a:ln>
-                <a:solidFill>
-                  <a:srgbClr val="DADADA"/>
-                </a:solidFill>
-              </a:rPr>
-            </a:br>
-            <a:r>
-              <a:rPr lang="en-US" altLang="zh-CN" sz="3000" u="sng" dirty="0">
-                <a:ln>
-                  <a:solidFill>
-                    <a:srgbClr val="000000">
-                      <a:alpha val="9804"/>
-                    </a:srgbClr>
-                  </a:solidFill>
-                </a:ln>
-                <a:solidFill>
-                  <a:srgbClr val="DADADA"/>
-                </a:solidFill>
-              </a:rPr>
-              <a:t>League of Legends</a:t>
-            </a:r>
-            <a:r>
-              <a:rPr lang="en-US" altLang="zh-CN" sz="3000" dirty="0">
-                <a:ln>
-                  <a:solidFill>
-                    <a:srgbClr val="000000">
-                      <a:alpha val="9804"/>
-                    </a:srgbClr>
-                  </a:solidFill>
-                </a:ln>
-                <a:solidFill>
-                  <a:srgbClr val="DADADA"/>
-                </a:solidFill>
-              </a:rPr>
-              <a:t> Item &amp; Champion Learning</a:t>
-            </a:r>
-            <a:br>
-              <a:rPr lang="en-US" altLang="zh-CN" sz="3000" dirty="0">
-                <a:ln>
-                  <a:solidFill>
-                    <a:srgbClr val="000000">
-                      <a:alpha val="9804"/>
-                    </a:srgbClr>
-                  </a:solidFill>
-                </a:ln>
-                <a:solidFill>
-                  <a:srgbClr val="DADADA"/>
-                </a:solidFill>
-              </a:rPr>
-            </a:br>
-            <a:endParaRPr lang="en-US" altLang="zh-CN" sz="3000" dirty="0">
-              <a:ln>
-                <a:solidFill>
-                  <a:srgbClr val="000000">
-                    <a:alpha val="9804"/>
-                  </a:srgbClr>
-                </a:solidFill>
-              </a:ln>
-              <a:solidFill>
-                <a:srgbClr val="DADADA"/>
-              </a:solidFill>
-            </a:endParaRPr>
-          </a:p>
-        </p:txBody>
-      </p:sp>
-      <p:sp>
-        <p:nvSpPr>
-          <p:cNvPr id="3" name="内容占位符 2">
-            <a:extLst>
-              <a:ext uri="{FF2B5EF4-FFF2-40B4-BE49-F238E27FC236}">
-                <a16:creationId xmlns:a16="http://schemas.microsoft.com/office/drawing/2014/main" id="{2AB5FE99-2000-4FF9-8CCF-D21693A3A9D1}"/>
-              </a:ext>
-            </a:extLst>
-          </p:cNvPr>
-          <p:cNvSpPr>
-            <a:spLocks noGrp="1"/>
-          </p:cNvSpPr>
-          <p:nvPr>
-            <p:ph idx="1"/>
-          </p:nvPr>
-        </p:nvSpPr>
-        <p:spPr>
-          <a:xfrm>
-            <a:off x="6672856" y="3598339"/>
-            <a:ext cx="4769669" cy="1675335"/>
-          </a:xfrm>
-        </p:spPr>
-        <p:txBody>
-          <a:bodyPr vert="horz" lIns="91440" tIns="45720" rIns="91440" bIns="45720" rtlCol="0" anchor="t">
-            <a:normAutofit lnSpcReduction="10000"/>
-          </a:bodyPr>
-          <a:lstStyle/>
-          <a:p>
-            <a:pPr indent="-342900" algn="ctr"/>
-            <a:r>
-              <a:rPr lang="en-US" altLang="zh-CN" dirty="0">
-                <a:ln>
-                  <a:solidFill>
-                    <a:srgbClr val="404040">
-                      <a:alpha val="9804"/>
-                    </a:srgbClr>
-                  </a:solidFill>
-                </a:ln>
-                <a:solidFill>
-                  <a:srgbClr val="FF24C5"/>
-                </a:solidFill>
-              </a:rPr>
-              <a:t>Trivia Crack</a:t>
-            </a:r>
-          </a:p>
-          <a:p>
-            <a:pPr indent="-342900" algn="ctr"/>
-            <a:r>
-              <a:rPr lang="en-US" altLang="zh-CN" dirty="0">
-                <a:ln>
-                  <a:solidFill>
-                    <a:srgbClr val="404040">
-                      <a:alpha val="9804"/>
-                    </a:srgbClr>
-                  </a:solidFill>
-                </a:ln>
-                <a:solidFill>
-                  <a:srgbClr val="FF24C5"/>
-                </a:solidFill>
-              </a:rPr>
-              <a:t>Aimed for New Gamers!</a:t>
-            </a:r>
-          </a:p>
-          <a:p>
-            <a:pPr marL="0" indent="0" algn="ctr">
-              <a:buNone/>
-            </a:pPr>
-            <a:r>
-              <a:rPr lang="en-US" altLang="zh-CN" dirty="0">
-                <a:hlinkClick r:id="rId2"/>
-              </a:rPr>
-              <a:t>https://developer.riotgames.com/docs/tft</a:t>
-            </a:r>
-            <a:endParaRPr lang="en-US" altLang="zh-CN" dirty="0"/>
-          </a:p>
-          <a:p>
-            <a:pPr marL="0" indent="0" algn="ctr">
-              <a:buNone/>
-            </a:pPr>
-            <a:r>
-              <a:rPr lang="en-US" altLang="zh-CN" dirty="0">
-                <a:hlinkClick r:id="rId3"/>
-              </a:rPr>
-              <a:t>https://developer.riotgames.com/docs/lol</a:t>
-            </a:r>
-            <a:endParaRPr lang="en-US" altLang="zh-CN" dirty="0">
-              <a:ln>
-                <a:solidFill>
-                  <a:srgbClr val="404040">
-                    <a:alpha val="9804"/>
-                  </a:srgbClr>
-                </a:solidFill>
-              </a:ln>
-              <a:solidFill>
-                <a:srgbClr val="FF24C5"/>
-              </a:solidFill>
-            </a:endParaRPr>
-          </a:p>
-        </p:txBody>
-      </p:sp>
-      <p:sp>
-        <p:nvSpPr>
-          <p:cNvPr id="73" name="Rectangle 72">
-            <a:extLst>
-              <a:ext uri="{FF2B5EF4-FFF2-40B4-BE49-F238E27FC236}">
-                <a16:creationId xmlns:a16="http://schemas.microsoft.com/office/drawing/2014/main" id="{CA8ACC6B-EC7C-4E3C-8D08-C0A3AA40779C}"/>
-              </a:ext>
-              <a:ext uri="{C183D7F6-B498-43B3-948B-1728B52AA6E4}">
-                <adec:decorative xmlns:adec="http://schemas.microsoft.com/office/drawing/2017/decorative" val="1"/>
-              </a:ext>
-            </a:extLst>
-          </p:cNvPr>
-          <p:cNvSpPr>
-            <a:spLocks noGrp="1" noRot="1" noChangeAspect="1" noMove="1" noResize="1" noEditPoints="1" noAdjustHandles="1" noChangeArrowheads="1" noChangeShapeType="1" noTextEdit="1"/>
-          </p:cNvSpPr>
-          <p:nvPr>
-            <p:extLst>
-              <p:ext uri="{386F3935-93C4-4BCD-93E2-E3B085C9AB24}">
-                <p16:designElem xmlns:p16="http://schemas.microsoft.com/office/powerpoint/2015/main" val="1"/>
-              </p:ext>
-            </p:extLst>
-          </p:nvPr>
-        </p:nvSpPr>
-        <p:spPr>
-          <a:xfrm>
-            <a:off x="950614" y="965196"/>
-            <a:ext cx="5042779" cy="4781641"/>
-          </a:xfrm>
-          <a:prstGeom prst="rect">
-            <a:avLst/>
-          </a:prstGeom>
-          <a:solidFill>
-            <a:schemeClr val="bg1"/>
-          </a:solidFill>
-          <a:ln w="190500">
-            <a:solidFill>
-              <a:srgbClr val="F2F2F2">
-                <a:alpha val="7000"/>
-              </a:srgbClr>
-            </a:solidFill>
-          </a:ln>
-        </p:spPr>
-        <p:style>
-          <a:lnRef idx="2">
-            <a:schemeClr val="accent1">
-              <a:shade val="50000"/>
-            </a:schemeClr>
-          </a:lnRef>
-          <a:fillRef idx="1">
-            <a:schemeClr val="accent1"/>
-          </a:fillRef>
-          <a:effectRef idx="0">
-            <a:schemeClr val="accent1"/>
-          </a:effectRef>
-          <a:fontRef idx="minor">
-            <a:schemeClr val="lt1"/>
-          </a:fontRef>
-        </p:style>
-        <p:txBody>
-          <a:bodyPr rtlCol="0" anchor="ctr"/>
-          <a:lstStyle/>
-          <a:p>
-            <a:pPr algn="ctr"/>
-            <a:endParaRPr lang="en-US"/>
-          </a:p>
-        </p:txBody>
-      </p:sp>
-      <p:pic>
-        <p:nvPicPr>
-          <p:cNvPr id="1026" name="Picture 2" descr="Image result for Trivia Crack">
-            <a:extLst>
-              <a:ext uri="{FF2B5EF4-FFF2-40B4-BE49-F238E27FC236}">
-                <a16:creationId xmlns:a16="http://schemas.microsoft.com/office/drawing/2014/main" id="{1059A8A2-C611-47C1-BF2B-E860D2675179}"/>
-              </a:ext>
-            </a:extLst>
-          </p:cNvPr>
-          <p:cNvPicPr>
-            <a:picLocks noChangeAspect="1" noChangeArrowheads="1"/>
-          </p:cNvPicPr>
-          <p:nvPr/>
-        </p:nvPicPr>
-        <p:blipFill>
-          <a:blip r:embed="rId4">
-            <a:extLst>
-              <a:ext uri="{28A0092B-C50C-407E-A947-70E740481C1C}">
-                <a14:useLocalDpi xmlns:a14="http://schemas.microsoft.com/office/drawing/2010/main" val="0"/>
-              </a:ext>
-            </a:extLst>
-          </a:blip>
-          <a:stretch>
-            <a:fillRect/>
-          </a:stretch>
-        </p:blipFill>
-        <p:spPr bwMode="auto">
-          <a:xfrm>
-            <a:off x="1532967" y="1438360"/>
-            <a:ext cx="3835314" cy="3835314"/>
-          </a:xfrm>
-          <a:prstGeom prst="rect">
-            <a:avLst/>
-          </a:prstGeom>
-          <a:noFill/>
-          <a:extLst>
-            <a:ext uri="{909E8E84-426E-40DD-AFC4-6F175D3DCCD1}">
-              <a14:hiddenFill xmlns:a14="http://schemas.microsoft.com/office/drawing/2010/main">
-                <a:solidFill>
-                  <a:srgbClr val="FFFFFF"/>
-                </a:solidFill>
-              </a14:hiddenFill>
-            </a:ext>
-          </a:extLst>
-        </p:spPr>
-      </p:pic>
-    </p:spTree>
-    <p:extLst>
-      <p:ext uri="{BB962C8B-B14F-4D97-AF65-F5344CB8AC3E}">
-        <p14:creationId xmlns:p14="http://schemas.microsoft.com/office/powerpoint/2010/main" val="272551208"/>
-      </p:ext>
-    </p:extLst>
-  </p:cSld>
-  <p:clrMapOvr>
-    <a:overrideClrMapping bg1="lt1" tx1="dk1" bg2="lt2" tx2="dk2" accent1="accent1" accent2="accent2" accent3="accent3" accent4="accent4" accent5="accent5" accent6="accent6" hlink="hlink" folHlink="folHlink"/>
-  </p:clrMapOvr>
-</p:sld>
-</file>
-
-<file path=ppt/slides/slide11.xml><?xml version="1.0" encoding="utf-8"?>
-<p:sld xmlns:a="http://schemas.openxmlformats.org/drawingml/2006/main" xmlns:r="http://schemas.openxmlformats.org/officeDocument/2006/relationships" xmlns:p="http://schemas.openxmlformats.org/presentationml/2006/main">
-  <p:cSld>
-    <p:spTree>
-      <p:nvGrpSpPr>
-        <p:cNvPr id="1" name=""/>
-        <p:cNvGrpSpPr/>
-        <p:nvPr/>
-      </p:nvGrpSpPr>
-      <p:grpSpPr>
-        <a:xfrm>
-          <a:off x="0" y="0"/>
-          <a:ext cx="0" cy="0"/>
-          <a:chOff x="0" y="0"/>
-          <a:chExt cx="0" cy="0"/>
-        </a:xfrm>
-      </p:grpSpPr>
-      <p:sp>
-        <p:nvSpPr>
           <p:cNvPr id="2" name="标题 1">
             <a:extLst>
               <a:ext uri="{FF2B5EF4-FFF2-40B4-BE49-F238E27FC236}">
@@ -6618,31 +6141,6 @@
               <a:rPr lang="en-US" altLang="zh-CN" dirty="0"/>
               <a:t>Thank You!</a:t>
             </a:r>
-            <a:endParaRPr lang="zh-CN" altLang="en-US" dirty="0"/>
-          </a:p>
-        </p:txBody>
-      </p:sp>
-      <p:sp>
-        <p:nvSpPr>
-          <p:cNvPr id="3" name="副标题 2">
-            <a:extLst>
-              <a:ext uri="{FF2B5EF4-FFF2-40B4-BE49-F238E27FC236}">
-                <a16:creationId xmlns:a16="http://schemas.microsoft.com/office/drawing/2014/main" id="{0A4EE802-A9D2-4C87-8DA0-89BA8870BA55}"/>
-              </a:ext>
-            </a:extLst>
-          </p:cNvPr>
-          <p:cNvSpPr>
-            <a:spLocks noGrp="1"/>
-          </p:cNvSpPr>
-          <p:nvPr>
-            <p:ph type="subTitle" idx="1"/>
-          </p:nvPr>
-        </p:nvSpPr>
-        <p:spPr/>
-        <p:txBody>
-          <a:bodyPr/>
-          <a:lstStyle/>
-          <a:p>
             <a:endParaRPr lang="zh-CN" altLang="en-US" dirty="0"/>
           </a:p>
         </p:txBody>
@@ -6885,17 +6383,15 @@
             </a:r>
             <a:r>
               <a:rPr lang="en-US" altLang="zh-CN" dirty="0"/>
-              <a:t> Tactics Item &amp; Champion Learning</a:t>
+              <a:t> Tactics/ League of Legends Item &amp; Champion Learning</a:t>
             </a:r>
             <a:endParaRPr lang="zh-CN" altLang="en-US" dirty="0"/>
           </a:p>
           <a:p>
             <a:r>
               <a:rPr lang="en-US" altLang="zh-CN" dirty="0"/>
-              <a:t>League of Legends Item &amp; Champion Learning</a:t>
-            </a:r>
-          </a:p>
-          <a:p>
+              <a:t>New Tetris</a:t>
+            </a:r>
             <a:endParaRPr lang="zh-CN" altLang="en-US" dirty="0"/>
           </a:p>
         </p:txBody>
@@ -6968,173 +6464,23 @@
 <file path=ppt/slides/slide3.xml><?xml version="1.0" encoding="utf-8"?>
 <p:sld xmlns:a="http://schemas.openxmlformats.org/drawingml/2006/main" xmlns:r="http://schemas.openxmlformats.org/officeDocument/2006/relationships" xmlns:p="http://schemas.openxmlformats.org/presentationml/2006/main">
   <p:cSld>
-    <p:spTree>
-      <p:nvGrpSpPr>
-        <p:cNvPr id="1" name=""/>
-        <p:cNvGrpSpPr/>
-        <p:nvPr/>
-      </p:nvGrpSpPr>
-      <p:grpSpPr>
-        <a:xfrm>
-          <a:off x="0" y="0"/>
-          <a:ext cx="0" cy="0"/>
-          <a:chOff x="0" y="0"/>
-          <a:chExt cx="0" cy="0"/>
-        </a:xfrm>
-      </p:grpSpPr>
-      <p:sp>
-        <p:nvSpPr>
-          <p:cNvPr id="2" name="标题 1">
-            <a:extLst>
-              <a:ext uri="{FF2B5EF4-FFF2-40B4-BE49-F238E27FC236}">
-                <a16:creationId xmlns:a16="http://schemas.microsoft.com/office/drawing/2014/main" id="{4CD43552-2E00-4BC9-857A-3DC392C25A05}"/>
-              </a:ext>
-            </a:extLst>
-          </p:cNvPr>
-          <p:cNvSpPr>
-            <a:spLocks noGrp="1"/>
-          </p:cNvSpPr>
-          <p:nvPr>
-            <p:ph type="title"/>
-          </p:nvPr>
-        </p:nvSpPr>
-        <p:spPr/>
-        <p:txBody>
-          <a:bodyPr/>
-          <a:lstStyle/>
-          <a:p>
-            <a:endParaRPr lang="zh-CN" altLang="en-US"/>
-          </a:p>
-        </p:txBody>
-      </p:sp>
-      <p:pic>
-        <p:nvPicPr>
-          <p:cNvPr id="5" name="内容占位符 4" descr="图片包含 文字&#10;&#10;描述已自动生成">
-            <a:extLst>
-              <a:ext uri="{FF2B5EF4-FFF2-40B4-BE49-F238E27FC236}">
-                <a16:creationId xmlns:a16="http://schemas.microsoft.com/office/drawing/2014/main" id="{76DA434C-3E0A-4A54-8DC8-256917AB75CE}"/>
-              </a:ext>
-            </a:extLst>
-          </p:cNvPr>
-          <p:cNvPicPr>
-            <a:picLocks noGrp="1" noChangeAspect="1"/>
-          </p:cNvPicPr>
-          <p:nvPr>
-            <p:ph idx="1"/>
-          </p:nvPr>
-        </p:nvPicPr>
-        <p:blipFill>
-          <a:blip r:embed="rId2">
-            <a:extLst>
-              <a:ext uri="{28A0092B-C50C-407E-A947-70E740481C1C}">
-                <a14:useLocalDpi xmlns:a14="http://schemas.microsoft.com/office/drawing/2010/main" val="0"/>
-              </a:ext>
-            </a:extLst>
-          </a:blip>
-          <a:stretch>
-            <a:fillRect/>
-          </a:stretch>
-        </p:blipFill>
-        <p:spPr>
-          <a:xfrm rot="16200000">
-            <a:off x="7021718" y="-727779"/>
-            <a:ext cx="3296754" cy="5016800"/>
-          </a:xfrm>
-        </p:spPr>
-      </p:pic>
-      <p:pic>
-        <p:nvPicPr>
-          <p:cNvPr id="7" name="图片 6" descr="图片包含 文字&#10;&#10;描述已自动生成">
-            <a:extLst>
-              <a:ext uri="{FF2B5EF4-FFF2-40B4-BE49-F238E27FC236}">
-                <a16:creationId xmlns:a16="http://schemas.microsoft.com/office/drawing/2014/main" id="{1CC9142C-CFC5-4EC0-8F58-1AB5B4B049F7}"/>
-              </a:ext>
-            </a:extLst>
-          </p:cNvPr>
-          <p:cNvPicPr>
-            <a:picLocks noChangeAspect="1"/>
-          </p:cNvPicPr>
-          <p:nvPr/>
-        </p:nvPicPr>
-        <p:blipFill>
-          <a:blip r:embed="rId3">
-            <a:extLst>
-              <a:ext uri="{28A0092B-C50C-407E-A947-70E740481C1C}">
-                <a14:useLocalDpi xmlns:a14="http://schemas.microsoft.com/office/drawing/2010/main" val="0"/>
-              </a:ext>
-            </a:extLst>
-          </a:blip>
-          <a:stretch>
-            <a:fillRect/>
-          </a:stretch>
-        </p:blipFill>
-        <p:spPr>
-          <a:xfrm rot="16200000">
-            <a:off x="7044514" y="2546179"/>
-            <a:ext cx="3248772" cy="5014410"/>
-          </a:xfrm>
-          <a:prstGeom prst="rect">
-            <a:avLst/>
-          </a:prstGeom>
-        </p:spPr>
-      </p:pic>
-      <p:pic>
-        <p:nvPicPr>
-          <p:cNvPr id="9" name="图片 8" descr="图片包含 文字&#10;&#10;描述已自动生成">
-            <a:extLst>
-              <a:ext uri="{FF2B5EF4-FFF2-40B4-BE49-F238E27FC236}">
-                <a16:creationId xmlns:a16="http://schemas.microsoft.com/office/drawing/2014/main" id="{40DBD1E1-0888-4885-A63E-0967DABADF02}"/>
-              </a:ext>
-            </a:extLst>
-          </p:cNvPr>
-          <p:cNvPicPr>
-            <a:picLocks noChangeAspect="1"/>
-          </p:cNvPicPr>
-          <p:nvPr/>
-        </p:nvPicPr>
-        <p:blipFill>
-          <a:blip r:embed="rId4">
-            <a:extLst>
-              <a:ext uri="{28A0092B-C50C-407E-A947-70E740481C1C}">
-                <a14:useLocalDpi xmlns:a14="http://schemas.microsoft.com/office/drawing/2010/main" val="0"/>
-              </a:ext>
-            </a:extLst>
-          </a:blip>
-          <a:stretch>
-            <a:fillRect/>
-          </a:stretch>
-        </p:blipFill>
-        <p:spPr>
-          <a:xfrm rot="16200000">
-            <a:off x="1972071" y="863760"/>
-            <a:ext cx="3296753" cy="5082495"/>
-          </a:xfrm>
-          <a:prstGeom prst="rect">
-            <a:avLst/>
-          </a:prstGeom>
-        </p:spPr>
-      </p:pic>
-    </p:spTree>
-    <p:extLst>
-      <p:ext uri="{BB962C8B-B14F-4D97-AF65-F5344CB8AC3E}">
-        <p14:creationId xmlns:p14="http://schemas.microsoft.com/office/powerpoint/2010/main" val="3692515716"/>
-      </p:ext>
-    </p:extLst>
-  </p:cSld>
-  <p:clrMapOvr>
-    <a:masterClrMapping/>
-  </p:clrMapOvr>
-</p:sld>
-</file>
-
-<file path=ppt/slides/slide4.xml><?xml version="1.0" encoding="utf-8"?>
-<p:sld xmlns:a="http://schemas.openxmlformats.org/drawingml/2006/main" xmlns:r="http://schemas.openxmlformats.org/officeDocument/2006/relationships" xmlns:p="http://schemas.openxmlformats.org/presentationml/2006/main">
-  <p:cSld>
     <p:bg>
       <p:bgPr>
-        <a:solidFill>
-          <a:schemeClr val="bg1"/>
-        </a:solidFill>
+        <a:blipFill rotWithShape="1">
+          <a:blip r:embed="rId2">
+            <a:duotone>
+              <a:schemeClr val="bg2">
+                <a:shade val="80000"/>
+                <a:lumMod val="80000"/>
+              </a:schemeClr>
+              <a:schemeClr val="bg2">
+                <a:tint val="98000"/>
+              </a:schemeClr>
+            </a:duotone>
+            <a:extLst/>
+          </a:blip>
+          <a:stretch/>
+        </a:blipFill>
         <a:effectLst/>
       </p:bgPr>
     </p:bg>
@@ -7152,21 +6498,56 @@
           <a:chExt cx="0" cy="0"/>
         </a:xfrm>
       </p:grpSpPr>
-      <p:sp useBgFill="1">
-        <p:nvSpPr>
-          <p:cNvPr id="8" name="Rectangle 7">
+      <p:pic>
+        <p:nvPicPr>
+          <p:cNvPr id="9" name="图片 8" descr="图片包含 文字, 地图&#10;&#10;描述已自动生成">
             <a:extLst>
               <a:ext uri="{FF2B5EF4-FFF2-40B4-BE49-F238E27FC236}">
-                <a16:creationId xmlns:a16="http://schemas.microsoft.com/office/drawing/2014/main" id="{56B051A4-96A7-4A11-9DAD-063A9C577F83}"/>
+                <a16:creationId xmlns:a16="http://schemas.microsoft.com/office/drawing/2014/main" id="{B44E66CD-7E32-49D4-AEED-A4AFAB7B0DC5}"/>
+              </a:ext>
+            </a:extLst>
+          </p:cNvPr>
+          <p:cNvPicPr>
+            <a:picLocks noChangeAspect="1"/>
+          </p:cNvPicPr>
+          <p:nvPr/>
+        </p:nvPicPr>
+        <p:blipFill rotWithShape="1">
+          <a:blip r:embed="rId3">
+            <a:extLst>
+              <a:ext uri="{28A0092B-C50C-407E-A947-70E740481C1C}">
+                <a14:useLocalDpi xmlns:a14="http://schemas.microsoft.com/office/drawing/2010/main" val="0"/>
+              </a:ext>
+            </a:extLst>
+          </a:blip>
+          <a:srcRect l="13280" t="4653" r="3080" b="3047"/>
+          <a:stretch/>
+        </p:blipFill>
+        <p:spPr>
+          <a:xfrm rot="16200000">
+            <a:off x="8631222" y="3297219"/>
+            <a:ext cx="2901954" cy="4219605"/>
+          </a:xfrm>
+          <a:prstGeom prst="rect">
+            <a:avLst/>
+          </a:prstGeom>
+        </p:spPr>
+      </p:pic>
+      <p:pic>
+        <p:nvPicPr>
+          <p:cNvPr id="20" name="Picture 19">
+            <a:extLst>
+              <a:ext uri="{FF2B5EF4-FFF2-40B4-BE49-F238E27FC236}">
+                <a16:creationId xmlns:a16="http://schemas.microsoft.com/office/drawing/2014/main" id="{0D78F8DF-3E28-42C3-B1C8-5A591036A6EE}"/>
               </a:ext>
               <a:ext uri="{C183D7F6-B498-43B3-948B-1728B52AA6E4}">
                 <adec:decorative xmlns:adec="http://schemas.microsoft.com/office/drawing/2017/decorative" val="1"/>
               </a:ext>
             </a:extLst>
           </p:cNvPr>
-          <p:cNvSpPr>
-            <a:spLocks noGrp="1" noRot="1" noChangeAspect="1" noMove="1" noResize="1" noEditPoints="1" noAdjustHandles="1" noChangeArrowheads="1" noChangeShapeType="1" noTextEdit="1"/>
-          </p:cNvSpPr>
+          <p:cNvPicPr>
+            <a:picLocks noGrp="1" noRot="1" noChangeAspect="1" noMove="1" noResize="1" noEditPoints="1" noAdjustHandles="1" noChangeArrowheads="1" noChangeShapeType="1" noCrop="1"/>
+          </p:cNvPicPr>
           <p:nvPr>
             <p:extLst>
               <p:ext uri="{386F3935-93C4-4BCD-93E2-E3B085C9AB24}">
@@ -7174,148 +6555,65 @@
               </p:ext>
             </p:extLst>
           </p:nvPr>
-        </p:nvSpPr>
+        </p:nvPicPr>
+        <p:blipFill rotWithShape="1">
+          <a:blip r:embed="rId4">
+            <a:extLst>
+              <a:ext uri="{28A0092B-C50C-407E-A947-70E740481C1C}">
+                <a14:useLocalDpi xmlns:a14="http://schemas.microsoft.com/office/drawing/2010/main" val="0"/>
+              </a:ext>
+            </a:extLst>
+          </a:blip>
+          <a:srcRect t="964" r="2807" b="1446"/>
+          <a:stretch/>
+        </p:blipFill>
         <p:spPr>
           <a:xfrm>
-            <a:off x="0" y="0"/>
-            <a:ext cx="12192000" cy="6858000"/>
+            <a:off x="-10649" y="1"/>
+            <a:ext cx="4690532" cy="6858000"/>
           </a:xfrm>
           <a:prstGeom prst="rect">
             <a:avLst/>
           </a:prstGeom>
-          <a:ln>
-            <a:noFill/>
-          </a:ln>
         </p:spPr>
-        <p:style>
-          <a:lnRef idx="2">
-            <a:schemeClr val="accent1">
-              <a:shade val="50000"/>
-            </a:schemeClr>
-          </a:lnRef>
-          <a:fillRef idx="1">
-            <a:schemeClr val="accent1"/>
-          </a:fillRef>
-          <a:effectRef idx="0">
-            <a:schemeClr val="accent1"/>
-          </a:effectRef>
-          <a:fontRef idx="minor">
-            <a:schemeClr val="lt1"/>
-          </a:fontRef>
-        </p:style>
-        <p:txBody>
-          <a:bodyPr rtlCol="0" anchor="ctr"/>
-          <a:lstStyle/>
-          <a:p>
-            <a:pPr algn="ctr"/>
-            <a:endParaRPr lang="en-US"/>
-          </a:p>
-        </p:txBody>
-      </p:sp>
-      <p:sp>
-        <p:nvSpPr>
-          <p:cNvPr id="10" name="Rectangle 9">
+      </p:pic>
+      <p:pic>
+        <p:nvPicPr>
+          <p:cNvPr id="7" name="内容占位符 4" descr="图片包含 文字&#10;&#10;描述已自动生成">
             <a:extLst>
               <a:ext uri="{FF2B5EF4-FFF2-40B4-BE49-F238E27FC236}">
-                <a16:creationId xmlns:a16="http://schemas.microsoft.com/office/drawing/2014/main" id="{45B67B9C-9B45-4084-9BB5-187071EE9A61}"/>
-              </a:ext>
-              <a:ext uri="{C183D7F6-B498-43B3-948B-1728B52AA6E4}">
-                <adec:decorative xmlns:adec="http://schemas.microsoft.com/office/drawing/2017/decorative" val="1"/>
+                <a16:creationId xmlns:a16="http://schemas.microsoft.com/office/drawing/2014/main" id="{888B7FB6-A469-4418-BFC5-AFBF68819EA9}"/>
               </a:ext>
             </a:extLst>
           </p:cNvPr>
-          <p:cNvSpPr>
-            <a:spLocks noGrp="1" noRot="1" noChangeAspect="1" noMove="1" noResize="1" noEditPoints="1" noAdjustHandles="1" noChangeArrowheads="1" noChangeShapeType="1" noTextEdit="1"/>
-          </p:cNvSpPr>
-          <p:nvPr>
-            <p:extLst>
-              <p:ext uri="{386F3935-93C4-4BCD-93E2-E3B085C9AB24}">
-                <p16:designElem xmlns:p16="http://schemas.microsoft.com/office/powerpoint/2015/main" val="1"/>
-              </p:ext>
-            </p:extLst>
-          </p:nvPr>
-        </p:nvSpPr>
+          <p:cNvPicPr>
+            <a:picLocks noGrp="1" noChangeAspect="1"/>
+          </p:cNvPicPr>
+          <p:nvPr>
+            <p:ph idx="1"/>
+          </p:nvPr>
+        </p:nvPicPr>
+        <p:blipFill rotWithShape="1">
+          <a:blip r:embed="rId5">
+            <a:extLst>
+              <a:ext uri="{28A0092B-C50C-407E-A947-70E740481C1C}">
+                <a14:useLocalDpi xmlns:a14="http://schemas.microsoft.com/office/drawing/2010/main" val="0"/>
+              </a:ext>
+            </a:extLst>
+          </a:blip>
+          <a:srcRect l="3454" t="-2" b="4653"/>
+          <a:stretch/>
+        </p:blipFill>
         <p:spPr>
-          <a:xfrm>
-            <a:off x="0" y="4292082"/>
-            <a:ext cx="12192000" cy="2565918"/>
+          <a:xfrm rot="16200000">
+            <a:off x="4434050" y="3227545"/>
+            <a:ext cx="2901952" cy="4358958"/>
           </a:xfrm>
           <a:prstGeom prst="rect">
             <a:avLst/>
           </a:prstGeom>
-          <a:ln>
-            <a:noFill/>
-          </a:ln>
         </p:spPr>
-        <p:style>
-          <a:lnRef idx="2">
-            <a:schemeClr val="accent1">
-              <a:shade val="50000"/>
-            </a:schemeClr>
-          </a:lnRef>
-          <a:fillRef idx="1003">
-            <a:schemeClr val="dk2"/>
-          </a:fillRef>
-          <a:effectRef idx="0">
-            <a:schemeClr val="accent1"/>
-          </a:effectRef>
-          <a:fontRef idx="minor">
-            <a:schemeClr val="lt1"/>
-          </a:fontRef>
-        </p:style>
-        <p:txBody>
-          <a:bodyPr rtlCol="0" anchor="ctr"/>
-          <a:lstStyle/>
-          <a:p>
-            <a:pPr algn="ctr"/>
-            <a:endParaRPr lang="en-US"/>
-          </a:p>
-        </p:txBody>
-      </p:sp>
-      <p:sp>
-        <p:nvSpPr>
-          <p:cNvPr id="2" name="标题 1">
-            <a:extLst>
-              <a:ext uri="{FF2B5EF4-FFF2-40B4-BE49-F238E27FC236}">
-                <a16:creationId xmlns:a16="http://schemas.microsoft.com/office/drawing/2014/main" id="{140D5070-00A3-44FB-9BE2-D096F40423A8}"/>
-              </a:ext>
-            </a:extLst>
-          </p:cNvPr>
-          <p:cNvSpPr>
-            <a:spLocks noGrp="1"/>
-          </p:cNvSpPr>
-          <p:nvPr>
-            <p:ph type="title"/>
-          </p:nvPr>
-        </p:nvSpPr>
-        <p:spPr>
-          <a:xfrm>
-            <a:off x="913794" y="4483145"/>
-            <a:ext cx="10353761" cy="1633340"/>
-          </a:xfrm>
-        </p:spPr>
-        <p:txBody>
-          <a:bodyPr>
-            <a:normAutofit/>
-          </a:bodyPr>
-          <a:lstStyle/>
-          <a:p>
-            <a:r>
-              <a:rPr lang="en-US" altLang="zh-CN" sz="4800" dirty="0">
-                <a:solidFill>
-                  <a:srgbClr val="FFFFFF"/>
-                </a:solidFill>
-              </a:rPr>
-              <a:t>What would it look like through various stages ?</a:t>
-            </a:r>
-            <a:endParaRPr lang="zh-CN" altLang="en-US" sz="4800" dirty="0">
-              <a:solidFill>
-                <a:srgbClr val="FFFFFF"/>
-              </a:solidFill>
-            </a:endParaRPr>
-          </a:p>
-        </p:txBody>
-      </p:sp>
+      </p:pic>
       <p:sp>
         <p:nvSpPr>
           <p:cNvPr id="3" name="内容占位符 2">
@@ -7334,10 +6632,9 @@
         </p:nvSpPr>
         <p:spPr>
           <a:xfrm>
-            <a:off x="913795" y="741515"/>
-            <a:ext cx="10353762" cy="3045558"/>
+            <a:off x="-10651" y="0"/>
+            <a:ext cx="12202651" cy="3772104"/>
           </a:xfrm>
-          <a:effectLst/>
         </p:spPr>
         <p:txBody>
           <a:bodyPr anchor="ctr">
@@ -7361,26 +6658,65 @@
             </a:r>
             <a:r>
               <a:rPr lang="en-US" altLang="zh-CN" b="1" dirty="0"/>
-              <a:t> Tactics Item &amp; Champion Learning</a:t>
+              <a:t> Tactics/League of Legends Item &amp; Champion Learning</a:t>
             </a:r>
             <a:r>
               <a:rPr lang="en-US" altLang="zh-CN" dirty="0"/>
               <a:t>: have a game (quiz) to match up the combination of items, and champion category </a:t>
             </a:r>
-            <a:endParaRPr lang="zh-CN" altLang="en-US" dirty="0"/>
-          </a:p>
-          <a:p>
-            <a:r>
-              <a:rPr lang="en-US" altLang="zh-CN" b="1" dirty="0"/>
-              <a:t>League of Legends Item &amp; Champion Learning</a:t>
-            </a:r>
-            <a:r>
-              <a:rPr lang="en-US" altLang="zh-CN" dirty="0"/>
-              <a:t>: have a game to understand the item characteristics and classify the champion type. </a:t>
-            </a:r>
-          </a:p>
-        </p:txBody>
-      </p:sp>
+          </a:p>
+          <a:p>
+            <a:r>
+              <a:rPr lang="en-US" altLang="zh-CN" b="1" dirty="0">
+                <a:effectLst/>
+              </a:rPr>
+              <a:t>New Tetris</a:t>
+            </a:r>
+            <a:r>
+              <a:rPr lang="en-US" altLang="zh-CN" dirty="0">
+                <a:effectLst/>
+              </a:rPr>
+              <a:t>: Similar settings, but with more interactions</a:t>
+            </a:r>
+            <a:endParaRPr lang="zh-CN" altLang="en-US" b="1" dirty="0"/>
+          </a:p>
+        </p:txBody>
+      </p:sp>
+      <p:pic>
+        <p:nvPicPr>
+          <p:cNvPr id="6" name="图片 5" descr="图片包含 文字&#10;&#10;描述已自动生成">
+            <a:extLst>
+              <a:ext uri="{FF2B5EF4-FFF2-40B4-BE49-F238E27FC236}">
+                <a16:creationId xmlns:a16="http://schemas.microsoft.com/office/drawing/2014/main" id="{33C01824-D3AF-40DE-B326-946A3F2A9B6C}"/>
+              </a:ext>
+            </a:extLst>
+          </p:cNvPr>
+          <p:cNvPicPr>
+            <a:picLocks noChangeAspect="1"/>
+          </p:cNvPicPr>
+          <p:nvPr/>
+        </p:nvPicPr>
+        <p:blipFill rotWithShape="1">
+          <a:blip r:embed="rId6">
+            <a:extLst>
+              <a:ext uri="{28A0092B-C50C-407E-A947-70E740481C1C}">
+                <a14:useLocalDpi xmlns:a14="http://schemas.microsoft.com/office/drawing/2010/main" val="0"/>
+              </a:ext>
+            </a:extLst>
+          </a:blip>
+          <a:srcRect l="3050" t="8294" r="6614" b="5355"/>
+          <a:stretch/>
+        </p:blipFill>
+        <p:spPr>
+          <a:xfrm rot="16200000">
+            <a:off x="474100" y="3471300"/>
+            <a:ext cx="2901950" cy="3871450"/>
+          </a:xfrm>
+          <a:prstGeom prst="rect">
+            <a:avLst/>
+          </a:prstGeom>
+        </p:spPr>
+      </p:pic>
     </p:spTree>
     <p:extLst>
       <p:ext uri="{BB962C8B-B14F-4D97-AF65-F5344CB8AC3E}">
@@ -7389,12 +6725,12 @@
     </p:extLst>
   </p:cSld>
   <p:clrMapOvr>
-    <a:overrideClrMapping bg1="lt1" tx1="dk1" bg2="lt2" tx2="dk2" accent1="accent1" accent2="accent2" accent3="accent3" accent4="accent4" accent5="accent5" accent6="accent6" hlink="hlink" folHlink="folHlink"/>
+    <a:masterClrMapping/>
   </p:clrMapOvr>
 </p:sld>
 </file>
 
-<file path=ppt/slides/slide5.xml><?xml version="1.0" encoding="utf-8"?>
+<file path=ppt/slides/slide4.xml><?xml version="1.0" encoding="utf-8"?>
 <p:sld xmlns:a="http://schemas.openxmlformats.org/drawingml/2006/main" xmlns:r="http://schemas.openxmlformats.org/officeDocument/2006/relationships" xmlns:p="http://schemas.openxmlformats.org/presentationml/2006/main">
   <p:cSld>
     <p:bg>
@@ -8101,7 +7437,7 @@
 </p:sld>
 </file>
 
-<file path=ppt/slides/slide6.xml><?xml version="1.0" encoding="utf-8"?>
+<file path=ppt/slides/slide5.xml><?xml version="1.0" encoding="utf-8"?>
 <p:sld xmlns:a="http://schemas.openxmlformats.org/drawingml/2006/main" xmlns:r="http://schemas.openxmlformats.org/officeDocument/2006/relationships" xmlns:p="http://schemas.openxmlformats.org/presentationml/2006/main">
   <p:cSld>
     <p:bg>
@@ -8788,18 +8124,20 @@
             </a:r>
             <a:r>
               <a:rPr lang="en-US" altLang="zh-CN" b="1" dirty="0"/>
-              <a:t> Tactics Item &amp; Champion Learning</a:t>
+              <a:t> Tactics/ League of Legends Item &amp; Champion Learning</a:t>
             </a:r>
           </a:p>
           <a:p>
             <a:pPr lvl="1"/>
             <a:r>
               <a:rPr lang="en-US" altLang="zh-CN" b="1" dirty="0"/>
-              <a:t>Understanding the game itself: it is an </a:t>
-            </a:r>
-            <a:r>
-              <a:rPr lang="en-US" altLang="zh-CN" b="1" dirty="0" err="1"/>
-              <a:t>autochess</a:t>
+              <a:t>Understanding the game itself: it is an auto-chess/</a:t>
+            </a:r>
+            <a:r>
+              <a:rPr lang="en-US" altLang="zh-CN" b="1" dirty="0">
+                <a:effectLst/>
+              </a:rPr>
+              <a:t> Multiplayer online battle arena (MOBA)</a:t>
             </a:r>
             <a:r>
               <a:rPr lang="en-US" altLang="zh-CN" b="1" dirty="0"/>
@@ -8829,738 +8167,7 @@
 </p:sld>
 </file>
 
-<file path=ppt/slides/slide7.xml><?xml version="1.0" encoding="utf-8"?>
-<p:sld xmlns:a="http://schemas.openxmlformats.org/drawingml/2006/main" xmlns:r="http://schemas.openxmlformats.org/officeDocument/2006/relationships" xmlns:p="http://schemas.openxmlformats.org/presentationml/2006/main">
-  <p:cSld>
-    <p:bg>
-      <p:bgPr>
-        <a:blipFill rotWithShape="1">
-          <a:blip r:embed="rId2">
-            <a:duotone>
-              <a:schemeClr val="bg2">
-                <a:shade val="80000"/>
-                <a:lumMod val="80000"/>
-              </a:schemeClr>
-              <a:schemeClr val="bg2">
-                <a:tint val="98000"/>
-              </a:schemeClr>
-            </a:duotone>
-            <a:extLst/>
-          </a:blip>
-          <a:stretch/>
-        </a:blipFill>
-        <a:effectLst/>
-      </p:bgPr>
-    </p:bg>
-    <p:spTree>
-      <p:nvGrpSpPr>
-        <p:cNvPr id="1" name=""/>
-        <p:cNvGrpSpPr/>
-        <p:nvPr/>
-      </p:nvGrpSpPr>
-      <p:grpSpPr>
-        <a:xfrm>
-          <a:off x="0" y="0"/>
-          <a:ext cx="0" cy="0"/>
-          <a:chOff x="0" y="0"/>
-          <a:chExt cx="0" cy="0"/>
-        </a:xfrm>
-      </p:grpSpPr>
-      <p:sp>
-        <p:nvSpPr>
-          <p:cNvPr id="8" name="Rectangle 7">
-            <a:extLst>
-              <a:ext uri="{FF2B5EF4-FFF2-40B4-BE49-F238E27FC236}">
-                <a16:creationId xmlns:a16="http://schemas.microsoft.com/office/drawing/2014/main" id="{AC224410-FF86-4FBB-A05E-61232D4B1368}"/>
-              </a:ext>
-              <a:ext uri="{C183D7F6-B498-43B3-948B-1728B52AA6E4}">
-                <adec:decorative xmlns:adec="http://schemas.microsoft.com/office/drawing/2017/decorative" val="1"/>
-              </a:ext>
-            </a:extLst>
-          </p:cNvPr>
-          <p:cNvSpPr>
-            <a:spLocks noGrp="1" noRot="1" noChangeAspect="1" noMove="1" noResize="1" noEditPoints="1" noAdjustHandles="1" noChangeArrowheads="1" noChangeShapeType="1" noTextEdit="1"/>
-          </p:cNvSpPr>
-          <p:nvPr>
-            <p:extLst>
-              <p:ext uri="{386F3935-93C4-4BCD-93E2-E3B085C9AB24}">
-                <p16:designElem xmlns:p16="http://schemas.microsoft.com/office/powerpoint/2015/main" val="1"/>
-              </p:ext>
-            </p:extLst>
-          </p:nvPr>
-        </p:nvSpPr>
-        <p:spPr>
-          <a:xfrm>
-            <a:off x="0" y="0"/>
-            <a:ext cx="12192000" cy="6858000"/>
-          </a:xfrm>
-          <a:prstGeom prst="rect">
-            <a:avLst/>
-          </a:prstGeom>
-          <a:solidFill>
-            <a:schemeClr val="bg2">
-              <a:lumMod val="75000"/>
-              <a:lumOff val="25000"/>
-            </a:schemeClr>
-          </a:solidFill>
-          <a:ln>
-            <a:noFill/>
-          </a:ln>
-        </p:spPr>
-        <p:style>
-          <a:lnRef idx="2">
-            <a:schemeClr val="accent1">
-              <a:shade val="50000"/>
-            </a:schemeClr>
-          </a:lnRef>
-          <a:fillRef idx="1">
-            <a:schemeClr val="accent1"/>
-          </a:fillRef>
-          <a:effectRef idx="0">
-            <a:schemeClr val="accent1"/>
-          </a:effectRef>
-          <a:fontRef idx="minor">
-            <a:schemeClr val="lt1"/>
-          </a:fontRef>
-        </p:style>
-        <p:txBody>
-          <a:bodyPr rtlCol="0" anchor="ctr"/>
-          <a:lstStyle/>
-          <a:p>
-            <a:pPr algn="ctr"/>
-            <a:endParaRPr lang="en-US"/>
-          </a:p>
-        </p:txBody>
-      </p:sp>
-      <p:sp useBgFill="1">
-        <p:nvSpPr>
-          <p:cNvPr id="10" name="Freeform: Shape 9">
-            <a:extLst>
-              <a:ext uri="{FF2B5EF4-FFF2-40B4-BE49-F238E27FC236}">
-                <a16:creationId xmlns:a16="http://schemas.microsoft.com/office/drawing/2014/main" id="{F3BDD110-869E-4A8C-9250-C7AE5C840842}"/>
-              </a:ext>
-              <a:ext uri="{C183D7F6-B498-43B3-948B-1728B52AA6E4}">
-                <adec:decorative xmlns:adec="http://schemas.microsoft.com/office/drawing/2017/decorative" val="1"/>
-              </a:ext>
-            </a:extLst>
-          </p:cNvPr>
-          <p:cNvSpPr>
-            <a:spLocks noGrp="1" noRot="1" noChangeAspect="1" noMove="1" noResize="1" noEditPoints="1" noAdjustHandles="1" noChangeArrowheads="1" noChangeShapeType="1" noTextEdit="1"/>
-          </p:cNvSpPr>
-          <p:nvPr>
-            <p:extLst>
-              <p:ext uri="{386F3935-93C4-4BCD-93E2-E3B085C9AB24}">
-                <p16:designElem xmlns:p16="http://schemas.microsoft.com/office/powerpoint/2015/main" val="1"/>
-              </p:ext>
-            </p:extLst>
-          </p:nvPr>
-        </p:nvSpPr>
-        <p:spPr>
-          <a:xfrm>
-            <a:off x="7302" y="-2"/>
-            <a:ext cx="6088698" cy="6858002"/>
-          </a:xfrm>
-          <a:custGeom>
-            <a:avLst/>
-            <a:gdLst>
-              <a:gd name="connsiteX0" fmla="*/ 0 w 6088698"/>
-              <a:gd name="connsiteY0" fmla="*/ 0 h 6858002"/>
-              <a:gd name="connsiteX1" fmla="*/ 2610464 w 6088698"/>
-              <a:gd name="connsiteY1" fmla="*/ 0 h 6858002"/>
-              <a:gd name="connsiteX2" fmla="*/ 2610464 w 6088698"/>
-              <a:gd name="connsiteY2" fmla="*/ 3 h 6858002"/>
-              <a:gd name="connsiteX3" fmla="*/ 5749313 w 6088698"/>
-              <a:gd name="connsiteY3" fmla="*/ 3 h 6858002"/>
-              <a:gd name="connsiteX4" fmla="*/ 5749313 w 6088698"/>
-              <a:gd name="connsiteY4" fmla="*/ 4 h 6858002"/>
-              <a:gd name="connsiteX5" fmla="*/ 5740011 w 6088698"/>
-              <a:gd name="connsiteY5" fmla="*/ 4 h 6858002"/>
-              <a:gd name="connsiteX6" fmla="*/ 5748114 w 6088698"/>
-              <a:gd name="connsiteY6" fmla="*/ 40466 h 6858002"/>
-              <a:gd name="connsiteX7" fmla="*/ 5771963 w 6088698"/>
-              <a:gd name="connsiteY7" fmla="*/ 159110 h 6858002"/>
-              <a:gd name="connsiteX8" fmla="*/ 5788633 w 6088698"/>
-              <a:gd name="connsiteY8" fmla="*/ 245521 h 6858002"/>
-              <a:gd name="connsiteX9" fmla="*/ 5806229 w 6088698"/>
-              <a:gd name="connsiteY9" fmla="*/ 348391 h 6858002"/>
-              <a:gd name="connsiteX10" fmla="*/ 5827299 w 6088698"/>
-              <a:gd name="connsiteY10" fmla="*/ 470463 h 6858002"/>
-              <a:gd name="connsiteX11" fmla="*/ 5849526 w 6088698"/>
-              <a:gd name="connsiteY11" fmla="*/ 605566 h 6858002"/>
-              <a:gd name="connsiteX12" fmla="*/ 5872911 w 6088698"/>
-              <a:gd name="connsiteY12" fmla="*/ 757813 h 6858002"/>
-              <a:gd name="connsiteX13" fmla="*/ 5897684 w 6088698"/>
-              <a:gd name="connsiteY13" fmla="*/ 923777 h 6858002"/>
-              <a:gd name="connsiteX14" fmla="*/ 5922459 w 6088698"/>
-              <a:gd name="connsiteY14" fmla="*/ 1104142 h 6858002"/>
-              <a:gd name="connsiteX15" fmla="*/ 5947695 w 6088698"/>
-              <a:gd name="connsiteY15" fmla="*/ 1296166 h 6858002"/>
-              <a:gd name="connsiteX16" fmla="*/ 5971079 w 6088698"/>
-              <a:gd name="connsiteY16" fmla="*/ 1503278 h 6858002"/>
-              <a:gd name="connsiteX17" fmla="*/ 5993538 w 6088698"/>
-              <a:gd name="connsiteY17" fmla="*/ 1719991 h 6858002"/>
-              <a:gd name="connsiteX18" fmla="*/ 6013913 w 6088698"/>
-              <a:gd name="connsiteY18" fmla="*/ 1949048 h 6858002"/>
-              <a:gd name="connsiteX19" fmla="*/ 6033361 w 6088698"/>
-              <a:gd name="connsiteY19" fmla="*/ 2187706 h 6858002"/>
-              <a:gd name="connsiteX20" fmla="*/ 6051654 w 6088698"/>
-              <a:gd name="connsiteY20" fmla="*/ 2436652 h 6858002"/>
-              <a:gd name="connsiteX21" fmla="*/ 6058136 w 6088698"/>
-              <a:gd name="connsiteY21" fmla="*/ 2564211 h 6858002"/>
-              <a:gd name="connsiteX22" fmla="*/ 6065314 w 6088698"/>
-              <a:gd name="connsiteY22" fmla="*/ 2694512 h 6858002"/>
-              <a:gd name="connsiteX23" fmla="*/ 6072027 w 6088698"/>
-              <a:gd name="connsiteY23" fmla="*/ 2826871 h 6858002"/>
-              <a:gd name="connsiteX24" fmla="*/ 6076427 w 6088698"/>
-              <a:gd name="connsiteY24" fmla="*/ 2959917 h 6858002"/>
-              <a:gd name="connsiteX25" fmla="*/ 6080363 w 6088698"/>
-              <a:gd name="connsiteY25" fmla="*/ 3095705 h 6858002"/>
-              <a:gd name="connsiteX26" fmla="*/ 6084530 w 6088698"/>
-              <a:gd name="connsiteY26" fmla="*/ 3232865 h 6858002"/>
-              <a:gd name="connsiteX27" fmla="*/ 6087308 w 6088698"/>
-              <a:gd name="connsiteY27" fmla="*/ 3372768 h 6858002"/>
-              <a:gd name="connsiteX28" fmla="*/ 6087308 w 6088698"/>
-              <a:gd name="connsiteY28" fmla="*/ 3514043 h 6858002"/>
-              <a:gd name="connsiteX29" fmla="*/ 6088698 w 6088698"/>
-              <a:gd name="connsiteY29" fmla="*/ 3656689 h 6858002"/>
-              <a:gd name="connsiteX30" fmla="*/ 6087308 w 6088698"/>
-              <a:gd name="connsiteY30" fmla="*/ 3800707 h 6858002"/>
-              <a:gd name="connsiteX31" fmla="*/ 6084530 w 6088698"/>
-              <a:gd name="connsiteY31" fmla="*/ 3946783 h 6858002"/>
-              <a:gd name="connsiteX32" fmla="*/ 6081983 w 6088698"/>
-              <a:gd name="connsiteY32" fmla="*/ 4092858 h 6858002"/>
-              <a:gd name="connsiteX33" fmla="*/ 6076427 w 6088698"/>
-              <a:gd name="connsiteY33" fmla="*/ 4240991 h 6858002"/>
-              <a:gd name="connsiteX34" fmla="*/ 6070639 w 6088698"/>
-              <a:gd name="connsiteY34" fmla="*/ 4390495 h 6858002"/>
-              <a:gd name="connsiteX35" fmla="*/ 6063924 w 6088698"/>
-              <a:gd name="connsiteY35" fmla="*/ 4540000 h 6858002"/>
-              <a:gd name="connsiteX36" fmla="*/ 6054432 w 6088698"/>
-              <a:gd name="connsiteY36" fmla="*/ 4690876 h 6858002"/>
-              <a:gd name="connsiteX37" fmla="*/ 6043086 w 6088698"/>
-              <a:gd name="connsiteY37" fmla="*/ 4843123 h 6858002"/>
-              <a:gd name="connsiteX38" fmla="*/ 6032204 w 6088698"/>
-              <a:gd name="connsiteY38" fmla="*/ 4996057 h 6858002"/>
-              <a:gd name="connsiteX39" fmla="*/ 6018313 w 6088698"/>
-              <a:gd name="connsiteY39" fmla="*/ 5148990 h 6858002"/>
-              <a:gd name="connsiteX40" fmla="*/ 6001642 w 6088698"/>
-              <a:gd name="connsiteY40" fmla="*/ 5303981 h 6858002"/>
-              <a:gd name="connsiteX41" fmla="*/ 5984972 w 6088698"/>
-              <a:gd name="connsiteY41" fmla="*/ 5456914 h 6858002"/>
-              <a:gd name="connsiteX42" fmla="*/ 5965754 w 6088698"/>
-              <a:gd name="connsiteY42" fmla="*/ 5612591 h 6858002"/>
-              <a:gd name="connsiteX43" fmla="*/ 5944685 w 6088698"/>
-              <a:gd name="connsiteY43" fmla="*/ 5768953 h 6858002"/>
-              <a:gd name="connsiteX44" fmla="*/ 5922459 w 6088698"/>
-              <a:gd name="connsiteY44" fmla="*/ 5923258 h 6858002"/>
-              <a:gd name="connsiteX45" fmla="*/ 5896527 w 6088698"/>
-              <a:gd name="connsiteY45" fmla="*/ 6079621 h 6858002"/>
-              <a:gd name="connsiteX46" fmla="*/ 5868743 w 6088698"/>
-              <a:gd name="connsiteY46" fmla="*/ 6235297 h 6858002"/>
-              <a:gd name="connsiteX47" fmla="*/ 5841190 w 6088698"/>
-              <a:gd name="connsiteY47" fmla="*/ 6391660 h 6858002"/>
-              <a:gd name="connsiteX48" fmla="*/ 5809008 w 6088698"/>
-              <a:gd name="connsiteY48" fmla="*/ 6547336 h 6858002"/>
-              <a:gd name="connsiteX49" fmla="*/ 5776130 w 6088698"/>
-              <a:gd name="connsiteY49" fmla="*/ 6702327 h 6858002"/>
-              <a:gd name="connsiteX50" fmla="*/ 5741633 w 6088698"/>
-              <a:gd name="connsiteY50" fmla="*/ 6858002 h 6858002"/>
-              <a:gd name="connsiteX51" fmla="*/ 2610464 w 6088698"/>
-              <a:gd name="connsiteY51" fmla="*/ 6858002 h 6858002"/>
-              <a:gd name="connsiteX52" fmla="*/ 0 w 6088698"/>
-              <a:gd name="connsiteY52" fmla="*/ 6858002 h 6858002"/>
-            </a:gdLst>
-            <a:ahLst/>
-            <a:cxnLst>
-              <a:cxn ang="0">
-                <a:pos x="connsiteX0" y="connsiteY0"/>
-              </a:cxn>
-              <a:cxn ang="0">
-                <a:pos x="connsiteX1" y="connsiteY1"/>
-              </a:cxn>
-              <a:cxn ang="0">
-                <a:pos x="connsiteX2" y="connsiteY2"/>
-              </a:cxn>
-              <a:cxn ang="0">
-                <a:pos x="connsiteX3" y="connsiteY3"/>
-              </a:cxn>
-              <a:cxn ang="0">
-                <a:pos x="connsiteX4" y="connsiteY4"/>
-              </a:cxn>
-              <a:cxn ang="0">
-                <a:pos x="connsiteX5" y="connsiteY5"/>
-              </a:cxn>
-              <a:cxn ang="0">
-                <a:pos x="connsiteX6" y="connsiteY6"/>
-              </a:cxn>
-              <a:cxn ang="0">
-                <a:pos x="connsiteX7" y="connsiteY7"/>
-              </a:cxn>
-              <a:cxn ang="0">
-                <a:pos x="connsiteX8" y="connsiteY8"/>
-              </a:cxn>
-              <a:cxn ang="0">
-                <a:pos x="connsiteX9" y="connsiteY9"/>
-              </a:cxn>
-              <a:cxn ang="0">
-                <a:pos x="connsiteX10" y="connsiteY10"/>
-              </a:cxn>
-              <a:cxn ang="0">
-                <a:pos x="connsiteX11" y="connsiteY11"/>
-              </a:cxn>
-              <a:cxn ang="0">
-                <a:pos x="connsiteX12" y="connsiteY12"/>
-              </a:cxn>
-              <a:cxn ang="0">
-                <a:pos x="connsiteX13" y="connsiteY13"/>
-              </a:cxn>
-              <a:cxn ang="0">
-                <a:pos x="connsiteX14" y="connsiteY14"/>
-              </a:cxn>
-              <a:cxn ang="0">
-                <a:pos x="connsiteX15" y="connsiteY15"/>
-              </a:cxn>
-              <a:cxn ang="0">
-                <a:pos x="connsiteX16" y="connsiteY16"/>
-              </a:cxn>
-              <a:cxn ang="0">
-                <a:pos x="connsiteX17" y="connsiteY17"/>
-              </a:cxn>
-              <a:cxn ang="0">
-                <a:pos x="connsiteX18" y="connsiteY18"/>
-              </a:cxn>
-              <a:cxn ang="0">
-                <a:pos x="connsiteX19" y="connsiteY19"/>
-              </a:cxn>
-              <a:cxn ang="0">
-                <a:pos x="connsiteX20" y="connsiteY20"/>
-              </a:cxn>
-              <a:cxn ang="0">
-                <a:pos x="connsiteX21" y="connsiteY21"/>
-              </a:cxn>
-              <a:cxn ang="0">
-                <a:pos x="connsiteX22" y="connsiteY22"/>
-              </a:cxn>
-              <a:cxn ang="0">
-                <a:pos x="connsiteX23" y="connsiteY23"/>
-              </a:cxn>
-              <a:cxn ang="0">
-                <a:pos x="connsiteX24" y="connsiteY24"/>
-              </a:cxn>
-              <a:cxn ang="0">
-                <a:pos x="connsiteX25" y="connsiteY25"/>
-              </a:cxn>
-              <a:cxn ang="0">
-                <a:pos x="connsiteX26" y="connsiteY26"/>
-              </a:cxn>
-              <a:cxn ang="0">
-                <a:pos x="connsiteX27" y="connsiteY27"/>
-              </a:cxn>
-              <a:cxn ang="0">
-                <a:pos x="connsiteX28" y="connsiteY28"/>
-              </a:cxn>
-              <a:cxn ang="0">
-                <a:pos x="connsiteX29" y="connsiteY29"/>
-              </a:cxn>
-              <a:cxn ang="0">
-                <a:pos x="connsiteX30" y="connsiteY30"/>
-              </a:cxn>
-              <a:cxn ang="0">
-                <a:pos x="connsiteX31" y="connsiteY31"/>
-              </a:cxn>
-              <a:cxn ang="0">
-                <a:pos x="connsiteX32" y="connsiteY32"/>
-              </a:cxn>
-              <a:cxn ang="0">
-                <a:pos x="connsiteX33" y="connsiteY33"/>
-              </a:cxn>
-              <a:cxn ang="0">
-                <a:pos x="connsiteX34" y="connsiteY34"/>
-              </a:cxn>
-              <a:cxn ang="0">
-                <a:pos x="connsiteX35" y="connsiteY35"/>
-              </a:cxn>
-              <a:cxn ang="0">
-                <a:pos x="connsiteX36" y="connsiteY36"/>
-              </a:cxn>
-              <a:cxn ang="0">
-                <a:pos x="connsiteX37" y="connsiteY37"/>
-              </a:cxn>
-              <a:cxn ang="0">
-                <a:pos x="connsiteX38" y="connsiteY38"/>
-              </a:cxn>
-              <a:cxn ang="0">
-                <a:pos x="connsiteX39" y="connsiteY39"/>
-              </a:cxn>
-              <a:cxn ang="0">
-                <a:pos x="connsiteX40" y="connsiteY40"/>
-              </a:cxn>
-              <a:cxn ang="0">
-                <a:pos x="connsiteX41" y="connsiteY41"/>
-              </a:cxn>
-              <a:cxn ang="0">
-                <a:pos x="connsiteX42" y="connsiteY42"/>
-              </a:cxn>
-              <a:cxn ang="0">
-                <a:pos x="connsiteX43" y="connsiteY43"/>
-              </a:cxn>
-              <a:cxn ang="0">
-                <a:pos x="connsiteX44" y="connsiteY44"/>
-              </a:cxn>
-              <a:cxn ang="0">
-                <a:pos x="connsiteX45" y="connsiteY45"/>
-              </a:cxn>
-              <a:cxn ang="0">
-                <a:pos x="connsiteX46" y="connsiteY46"/>
-              </a:cxn>
-              <a:cxn ang="0">
-                <a:pos x="connsiteX47" y="connsiteY47"/>
-              </a:cxn>
-              <a:cxn ang="0">
-                <a:pos x="connsiteX48" y="connsiteY48"/>
-              </a:cxn>
-              <a:cxn ang="0">
-                <a:pos x="connsiteX49" y="connsiteY49"/>
-              </a:cxn>
-              <a:cxn ang="0">
-                <a:pos x="connsiteX50" y="connsiteY50"/>
-              </a:cxn>
-              <a:cxn ang="0">
-                <a:pos x="connsiteX51" y="connsiteY51"/>
-              </a:cxn>
-              <a:cxn ang="0">
-                <a:pos x="connsiteX52" y="connsiteY52"/>
-              </a:cxn>
-            </a:cxnLst>
-            <a:rect l="l" t="t" r="r" b="b"/>
-            <a:pathLst>
-              <a:path w="6088698" h="6858002">
-                <a:moveTo>
-                  <a:pt x="0" y="0"/>
-                </a:moveTo>
-                <a:lnTo>
-                  <a:pt x="2610464" y="0"/>
-                </a:lnTo>
-                <a:lnTo>
-                  <a:pt x="2610464" y="3"/>
-                </a:lnTo>
-                <a:lnTo>
-                  <a:pt x="5749313" y="3"/>
-                </a:lnTo>
-                <a:lnTo>
-                  <a:pt x="5749313" y="4"/>
-                </a:lnTo>
-                <a:lnTo>
-                  <a:pt x="5740011" y="4"/>
-                </a:lnTo>
-                <a:lnTo>
-                  <a:pt x="5748114" y="40466"/>
-                </a:lnTo>
-                <a:lnTo>
-                  <a:pt x="5771963" y="159110"/>
-                </a:lnTo>
-                <a:lnTo>
-                  <a:pt x="5788633" y="245521"/>
-                </a:lnTo>
-                <a:lnTo>
-                  <a:pt x="5806229" y="348391"/>
-                </a:lnTo>
-                <a:lnTo>
-                  <a:pt x="5827299" y="470463"/>
-                </a:lnTo>
-                <a:lnTo>
-                  <a:pt x="5849526" y="605566"/>
-                </a:lnTo>
-                <a:lnTo>
-                  <a:pt x="5872911" y="757813"/>
-                </a:lnTo>
-                <a:lnTo>
-                  <a:pt x="5897684" y="923777"/>
-                </a:lnTo>
-                <a:lnTo>
-                  <a:pt x="5922459" y="1104142"/>
-                </a:lnTo>
-                <a:lnTo>
-                  <a:pt x="5947695" y="1296166"/>
-                </a:lnTo>
-                <a:lnTo>
-                  <a:pt x="5971079" y="1503278"/>
-                </a:lnTo>
-                <a:lnTo>
-                  <a:pt x="5993538" y="1719991"/>
-                </a:lnTo>
-                <a:lnTo>
-                  <a:pt x="6013913" y="1949048"/>
-                </a:lnTo>
-                <a:lnTo>
-                  <a:pt x="6033361" y="2187706"/>
-                </a:lnTo>
-                <a:lnTo>
-                  <a:pt x="6051654" y="2436652"/>
-                </a:lnTo>
-                <a:lnTo>
-                  <a:pt x="6058136" y="2564211"/>
-                </a:lnTo>
-                <a:lnTo>
-                  <a:pt x="6065314" y="2694512"/>
-                </a:lnTo>
-                <a:lnTo>
-                  <a:pt x="6072027" y="2826871"/>
-                </a:lnTo>
-                <a:lnTo>
-                  <a:pt x="6076427" y="2959917"/>
-                </a:lnTo>
-                <a:lnTo>
-                  <a:pt x="6080363" y="3095705"/>
-                </a:lnTo>
-                <a:lnTo>
-                  <a:pt x="6084530" y="3232865"/>
-                </a:lnTo>
-                <a:lnTo>
-                  <a:pt x="6087308" y="3372768"/>
-                </a:lnTo>
-                <a:lnTo>
-                  <a:pt x="6087308" y="3514043"/>
-                </a:lnTo>
-                <a:lnTo>
-                  <a:pt x="6088698" y="3656689"/>
-                </a:lnTo>
-                <a:lnTo>
-                  <a:pt x="6087308" y="3800707"/>
-                </a:lnTo>
-                <a:lnTo>
-                  <a:pt x="6084530" y="3946783"/>
-                </a:lnTo>
-                <a:lnTo>
-                  <a:pt x="6081983" y="4092858"/>
-                </a:lnTo>
-                <a:lnTo>
-                  <a:pt x="6076427" y="4240991"/>
-                </a:lnTo>
-                <a:lnTo>
-                  <a:pt x="6070639" y="4390495"/>
-                </a:lnTo>
-                <a:lnTo>
-                  <a:pt x="6063924" y="4540000"/>
-                </a:lnTo>
-                <a:lnTo>
-                  <a:pt x="6054432" y="4690876"/>
-                </a:lnTo>
-                <a:lnTo>
-                  <a:pt x="6043086" y="4843123"/>
-                </a:lnTo>
-                <a:lnTo>
-                  <a:pt x="6032204" y="4996057"/>
-                </a:lnTo>
-                <a:lnTo>
-                  <a:pt x="6018313" y="5148990"/>
-                </a:lnTo>
-                <a:lnTo>
-                  <a:pt x="6001642" y="5303981"/>
-                </a:lnTo>
-                <a:lnTo>
-                  <a:pt x="5984972" y="5456914"/>
-                </a:lnTo>
-                <a:lnTo>
-                  <a:pt x="5965754" y="5612591"/>
-                </a:lnTo>
-                <a:lnTo>
-                  <a:pt x="5944685" y="5768953"/>
-                </a:lnTo>
-                <a:lnTo>
-                  <a:pt x="5922459" y="5923258"/>
-                </a:lnTo>
-                <a:lnTo>
-                  <a:pt x="5896527" y="6079621"/>
-                </a:lnTo>
-                <a:lnTo>
-                  <a:pt x="5868743" y="6235297"/>
-                </a:lnTo>
-                <a:lnTo>
-                  <a:pt x="5841190" y="6391660"/>
-                </a:lnTo>
-                <a:lnTo>
-                  <a:pt x="5809008" y="6547336"/>
-                </a:lnTo>
-                <a:lnTo>
-                  <a:pt x="5776130" y="6702327"/>
-                </a:lnTo>
-                <a:lnTo>
-                  <a:pt x="5741633" y="6858002"/>
-                </a:lnTo>
-                <a:lnTo>
-                  <a:pt x="2610464" y="6858002"/>
-                </a:lnTo>
-                <a:lnTo>
-                  <a:pt x="0" y="6858002"/>
-                </a:lnTo>
-                <a:close/>
-              </a:path>
-            </a:pathLst>
-          </a:custGeom>
-          <a:ln>
-            <a:noFill/>
-          </a:ln>
-          <a:effectLst>
-            <a:outerShdw blurRad="50800" dist="38100" algn="l" rotWithShape="0">
-              <a:prstClr val="black">
-                <a:alpha val="40000"/>
-              </a:prstClr>
-            </a:outerShdw>
-          </a:effectLst>
-        </p:spPr>
-        <p:style>
-          <a:lnRef idx="2">
-            <a:schemeClr val="accent1">
-              <a:shade val="50000"/>
-            </a:schemeClr>
-          </a:lnRef>
-          <a:fillRef idx="1">
-            <a:schemeClr val="accent1"/>
-          </a:fillRef>
-          <a:effectRef idx="0">
-            <a:schemeClr val="accent1"/>
-          </a:effectRef>
-          <a:fontRef idx="minor">
-            <a:schemeClr val="lt1"/>
-          </a:fontRef>
-        </p:style>
-        <p:txBody>
-          <a:bodyPr wrap="square" rtlCol="0" anchor="ctr">
-            <a:noAutofit/>
-          </a:bodyPr>
-          <a:lstStyle/>
-          <a:p>
-            <a:pPr algn="ctr"/>
-            <a:endParaRPr lang="en-US"/>
-          </a:p>
-        </p:txBody>
-      </p:sp>
-      <p:sp>
-        <p:nvSpPr>
-          <p:cNvPr id="2" name="标题 1">
-            <a:extLst>
-              <a:ext uri="{FF2B5EF4-FFF2-40B4-BE49-F238E27FC236}">
-                <a16:creationId xmlns:a16="http://schemas.microsoft.com/office/drawing/2014/main" id="{62A358CF-7BFD-4A0D-8BD9-098CC7D645A9}"/>
-              </a:ext>
-            </a:extLst>
-          </p:cNvPr>
-          <p:cNvSpPr>
-            <a:spLocks noGrp="1"/>
-          </p:cNvSpPr>
-          <p:nvPr>
-            <p:ph type="title"/>
-          </p:nvPr>
-        </p:nvSpPr>
-        <p:spPr>
-          <a:xfrm>
-            <a:off x="900506" y="1118808"/>
-            <a:ext cx="4671467" cy="4747683"/>
-          </a:xfrm>
-        </p:spPr>
-        <p:txBody>
-          <a:bodyPr anchor="ctr">
-            <a:normAutofit/>
-          </a:bodyPr>
-          <a:lstStyle/>
-          <a:p>
-            <a:pPr algn="l"/>
-            <a:r>
-              <a:rPr lang="en-US" altLang="zh-CN" sz="4800" dirty="0"/>
-              <a:t>Show the various stages on a macro-scale and micro-scale (</a:t>
-            </a:r>
-            <a:r>
-              <a:rPr lang="en-US" altLang="zh-CN" sz="4800" dirty="0" err="1"/>
-              <a:t>cont</a:t>
-            </a:r>
-            <a:r>
-              <a:rPr lang="en-US" altLang="zh-CN" sz="4800" dirty="0"/>
-              <a:t>)</a:t>
-            </a:r>
-            <a:endParaRPr lang="zh-CN" altLang="en-US" sz="4800" dirty="0"/>
-          </a:p>
-        </p:txBody>
-      </p:sp>
-      <p:sp>
-        <p:nvSpPr>
-          <p:cNvPr id="3" name="内容占位符 2">
-            <a:extLst>
-              <a:ext uri="{FF2B5EF4-FFF2-40B4-BE49-F238E27FC236}">
-                <a16:creationId xmlns:a16="http://schemas.microsoft.com/office/drawing/2014/main" id="{C1A47E58-296A-4298-BA4A-6A0A725DCF69}"/>
-              </a:ext>
-            </a:extLst>
-          </p:cNvPr>
-          <p:cNvSpPr>
-            <a:spLocks noGrp="1"/>
-          </p:cNvSpPr>
-          <p:nvPr>
-            <p:ph idx="1"/>
-          </p:nvPr>
-        </p:nvSpPr>
-        <p:spPr>
-          <a:xfrm>
-            <a:off x="6498769" y="1118809"/>
-            <a:ext cx="5049763" cy="4747681"/>
-          </a:xfrm>
-          <a:effectLst/>
-        </p:spPr>
-        <p:txBody>
-          <a:bodyPr anchor="ctr">
-            <a:normAutofit/>
-          </a:bodyPr>
-          <a:lstStyle/>
-          <a:p>
-            <a:r>
-              <a:rPr lang="en-US" altLang="zh-CN" b="1" dirty="0"/>
-              <a:t>League of Legends Item &amp; Champion Learning</a:t>
-            </a:r>
-          </a:p>
-          <a:p>
-            <a:pPr lvl="1"/>
-            <a:r>
-              <a:rPr lang="en-US" altLang="zh-CN" b="1" dirty="0"/>
-              <a:t>Understanding the game itself: </a:t>
-            </a:r>
-            <a:r>
-              <a:rPr lang="en-US" altLang="zh-CN" b="1" dirty="0">
-                <a:effectLst/>
-              </a:rPr>
-              <a:t>Multiplayer online battle arena (MOBA) game</a:t>
-            </a:r>
-          </a:p>
-          <a:p>
-            <a:pPr lvl="1"/>
-            <a:r>
-              <a:rPr lang="en-US" altLang="zh-CN" b="1" dirty="0">
-                <a:effectLst/>
-              </a:rPr>
-              <a:t>Understanding the category of champions and characteristics of items and how these affect meaningful play.</a:t>
-            </a:r>
-            <a:endParaRPr lang="en-US" altLang="zh-CN" b="1" dirty="0"/>
-          </a:p>
-          <a:p>
-            <a:endParaRPr lang="zh-CN" altLang="en-US" dirty="0">
-              <a:solidFill>
-                <a:schemeClr val="tx1"/>
-              </a:solidFill>
-            </a:endParaRPr>
-          </a:p>
-        </p:txBody>
-      </p:sp>
-    </p:spTree>
-    <p:extLst>
-      <p:ext uri="{BB962C8B-B14F-4D97-AF65-F5344CB8AC3E}">
-        <p14:creationId xmlns:p14="http://schemas.microsoft.com/office/powerpoint/2010/main" val="3923981346"/>
-      </p:ext>
-    </p:extLst>
-  </p:cSld>
-  <p:clrMapOvr>
-    <a:masterClrMapping/>
-  </p:clrMapOvr>
-</p:sld>
-</file>
-
-<file path=ppt/slides/slide8.xml><?xml version="1.0" encoding="utf-8"?>
+<file path=ppt/slides/slide6.xml><?xml version="1.0" encoding="utf-8"?>
 <p:sld xmlns:a="http://schemas.openxmlformats.org/drawingml/2006/main" xmlns:r="http://schemas.openxmlformats.org/officeDocument/2006/relationships" xmlns:p="http://schemas.openxmlformats.org/presentationml/2006/main">
   <p:cSld>
     <p:bg>
@@ -9804,7 +8411,7 @@
             </a:r>
             <a:r>
               <a:rPr lang="en-US" altLang="zh-CN" dirty="0"/>
-              <a:t> Tactics Item &amp; Champion Learning</a:t>
+              <a:t> Tactics/ League of Legends Item &amp; Champion Learning</a:t>
             </a:r>
           </a:p>
           <a:p>
@@ -9813,27 +8420,20 @@
               <a:rPr lang="en-US" altLang="zh-CN" dirty="0"/>
               <a:t>Learning and quizzing knowledge</a:t>
             </a:r>
+          </a:p>
+          <a:p>
+            <a:r>
+              <a:rPr lang="en-US" altLang="zh-CN" dirty="0"/>
+              <a:t>New Tetris</a:t>
+            </a:r>
+          </a:p>
+          <a:p>
+            <a:pPr lvl="1"/>
+            <a:r>
+              <a:rPr lang="en-US" altLang="zh-CN" dirty="0"/>
+              <a:t>Meaningful Play-How game interact with player’s action, short-term and long-term.</a:t>
+            </a:r>
             <a:endParaRPr lang="zh-CN" altLang="en-US" dirty="0"/>
-          </a:p>
-          <a:p>
-            <a:r>
-              <a:rPr lang="en-US" altLang="zh-CN" dirty="0"/>
-              <a:t>League of Legends Item &amp; Champion Learning</a:t>
-            </a:r>
-          </a:p>
-          <a:p>
-            <a:pPr lvl="1"/>
-            <a:r>
-              <a:rPr lang="en-US" altLang="zh-CN" dirty="0"/>
-              <a:t>Learning and quizzing knowledge</a:t>
-            </a:r>
-            <a:endParaRPr lang="zh-CN" altLang="en-US" dirty="0"/>
-          </a:p>
-          <a:p>
-            <a:pPr marL="450000" lvl="1" indent="0">
-              <a:buNone/>
-            </a:pPr>
-            <a:endParaRPr lang="en-US" altLang="zh-CN" dirty="0"/>
           </a:p>
         </p:txBody>
       </p:sp>
@@ -9850,7 +8450,7 @@
 </p:sld>
 </file>
 
-<file path=ppt/slides/slide9.xml><?xml version="1.0" encoding="utf-8"?>
+<file path=ppt/slides/slide7.xml><?xml version="1.0" encoding="utf-8"?>
 <p:sld xmlns:a="http://schemas.openxmlformats.org/drawingml/2006/main" xmlns:r="http://schemas.openxmlformats.org/officeDocument/2006/relationships" xmlns:p="http://schemas.openxmlformats.org/presentationml/2006/main">
   <p:cSld>
     <p:bg>
@@ -9969,7 +8569,7 @@
               </a:lnSpc>
             </a:pPr>
             <a:r>
-              <a:rPr lang="en-US" altLang="zh-CN" sz="2400" b="1">
+              <a:rPr lang="en-US" altLang="zh-CN" sz="2400" b="1" dirty="0">
                 <a:ln>
                   <a:solidFill>
                     <a:srgbClr val="404040">
@@ -9983,7 +8583,7 @@
               </a:rPr>
               <a:t>History Average Temperature of NYC</a:t>
             </a:r>
-            <a:endParaRPr lang="zh-CN" altLang="en-US" sz="2400">
+            <a:endParaRPr lang="zh-CN" altLang="en-US" sz="2400" dirty="0">
               <a:ln>
                 <a:solidFill>
                   <a:srgbClr val="404040">
@@ -10170,6 +8770,743 @@
   </p:cSld>
   <p:clrMapOvr>
     <a:overrideClrMapping bg1="lt1" tx1="dk1" bg2="lt2" tx2="dk2" accent1="accent1" accent2="accent2" accent3="accent3" accent4="accent4" accent5="accent5" accent6="accent6" hlink="hlink" folHlink="folHlink"/>
+  </p:clrMapOvr>
+</p:sld>
+</file>
+
+<file path=ppt/slides/slide8.xml><?xml version="1.0" encoding="utf-8"?>
+<p:sld xmlns:a="http://schemas.openxmlformats.org/drawingml/2006/main" xmlns:r="http://schemas.openxmlformats.org/officeDocument/2006/relationships" xmlns:p="http://schemas.openxmlformats.org/presentationml/2006/main">
+  <p:cSld>
+    <p:bg>
+      <p:bgPr>
+        <a:solidFill>
+          <a:schemeClr val="bg1"/>
+        </a:solidFill>
+        <a:effectLst/>
+      </p:bgPr>
+    </p:bg>
+    <p:spTree>
+      <p:nvGrpSpPr>
+        <p:cNvPr id="1" name=""/>
+        <p:cNvGrpSpPr/>
+        <p:nvPr/>
+      </p:nvGrpSpPr>
+      <p:grpSpPr>
+        <a:xfrm>
+          <a:off x="0" y="0"/>
+          <a:ext cx="0" cy="0"/>
+          <a:chOff x="0" y="0"/>
+          <a:chExt cx="0" cy="0"/>
+        </a:xfrm>
+      </p:grpSpPr>
+      <p:sp>
+        <p:nvSpPr>
+          <p:cNvPr id="71" name="Rectangle 70">
+            <a:extLst>
+              <a:ext uri="{FF2B5EF4-FFF2-40B4-BE49-F238E27FC236}">
+                <a16:creationId xmlns:a16="http://schemas.microsoft.com/office/drawing/2014/main" id="{6540ED7E-4309-4CF9-9C8D-82E304E02832}"/>
+              </a:ext>
+              <a:ext uri="{C183D7F6-B498-43B3-948B-1728B52AA6E4}">
+                <adec:decorative xmlns:adec="http://schemas.microsoft.com/office/drawing/2017/decorative" val="1"/>
+              </a:ext>
+            </a:extLst>
+          </p:cNvPr>
+          <p:cNvSpPr>
+            <a:spLocks noGrp="1" noRot="1" noChangeAspect="1" noMove="1" noResize="1" noEditPoints="1" noAdjustHandles="1" noChangeArrowheads="1" noChangeShapeType="1" noTextEdit="1"/>
+          </p:cNvSpPr>
+          <p:nvPr>
+            <p:extLst>
+              <p:ext uri="{386F3935-93C4-4BCD-93E2-E3B085C9AB24}">
+                <p16:designElem xmlns:p16="http://schemas.microsoft.com/office/powerpoint/2015/main" val="1"/>
+              </p:ext>
+            </p:extLst>
+          </p:nvPr>
+        </p:nvSpPr>
+        <p:spPr>
+          <a:xfrm>
+            <a:off x="0" y="0"/>
+            <a:ext cx="12192000" cy="6858000"/>
+          </a:xfrm>
+          <a:prstGeom prst="rect">
+            <a:avLst/>
+          </a:prstGeom>
+          <a:ln>
+            <a:noFill/>
+          </a:ln>
+        </p:spPr>
+        <p:style>
+          <a:lnRef idx="2">
+            <a:schemeClr val="accent1">
+              <a:shade val="50000"/>
+            </a:schemeClr>
+          </a:lnRef>
+          <a:fillRef idx="1003">
+            <a:schemeClr val="dk2"/>
+          </a:fillRef>
+          <a:effectRef idx="0">
+            <a:schemeClr val="accent1"/>
+          </a:effectRef>
+          <a:fontRef idx="minor">
+            <a:schemeClr val="lt1"/>
+          </a:fontRef>
+        </p:style>
+        <p:txBody>
+          <a:bodyPr rtlCol="0" anchor="ctr"/>
+          <a:lstStyle/>
+          <a:p>
+            <a:pPr algn="ctr"/>
+            <a:endParaRPr lang="en-US"/>
+          </a:p>
+        </p:txBody>
+      </p:sp>
+      <p:sp>
+        <p:nvSpPr>
+          <p:cNvPr id="2" name="标题 1">
+            <a:extLst>
+              <a:ext uri="{FF2B5EF4-FFF2-40B4-BE49-F238E27FC236}">
+                <a16:creationId xmlns:a16="http://schemas.microsoft.com/office/drawing/2014/main" id="{68D7470B-5CAA-4145-B0B7-E566F8318A98}"/>
+              </a:ext>
+            </a:extLst>
+          </p:cNvPr>
+          <p:cNvSpPr>
+            <a:spLocks noGrp="1"/>
+          </p:cNvSpPr>
+          <p:nvPr>
+            <p:ph type="title"/>
+          </p:nvPr>
+        </p:nvSpPr>
+        <p:spPr>
+          <a:xfrm>
+            <a:off x="6648857" y="965196"/>
+            <a:ext cx="4583022" cy="2633146"/>
+          </a:xfrm>
+        </p:spPr>
+        <p:txBody>
+          <a:bodyPr vert="horz" lIns="91440" tIns="45720" rIns="91440" bIns="45720" rtlCol="0" anchor="b">
+            <a:normAutofit/>
+          </a:bodyPr>
+          <a:lstStyle/>
+          <a:p>
+            <a:pPr>
+              <a:lnSpc>
+                <a:spcPct val="90000"/>
+              </a:lnSpc>
+            </a:pPr>
+            <a:r>
+              <a:rPr lang="en-US" altLang="zh-CN" sz="3000" u="sng" dirty="0" err="1">
+                <a:ln>
+                  <a:solidFill>
+                    <a:srgbClr val="000000">
+                      <a:alpha val="9804"/>
+                    </a:srgbClr>
+                  </a:solidFill>
+                </a:ln>
+                <a:solidFill>
+                  <a:srgbClr val="DADADA"/>
+                </a:solidFill>
+              </a:rPr>
+              <a:t>Teamfight</a:t>
+            </a:r>
+            <a:r>
+              <a:rPr lang="en-US" altLang="zh-CN" sz="3000" u="sng" dirty="0">
+                <a:ln>
+                  <a:solidFill>
+                    <a:srgbClr val="000000">
+                      <a:alpha val="9804"/>
+                    </a:srgbClr>
+                  </a:solidFill>
+                </a:ln>
+                <a:solidFill>
+                  <a:srgbClr val="DADADA"/>
+                </a:solidFill>
+              </a:rPr>
+              <a:t> Tactics </a:t>
+            </a:r>
+            <a:br>
+              <a:rPr lang="en-US" altLang="zh-CN" sz="3000" dirty="0">
+                <a:ln>
+                  <a:solidFill>
+                    <a:srgbClr val="000000">
+                      <a:alpha val="9804"/>
+                    </a:srgbClr>
+                  </a:solidFill>
+                </a:ln>
+                <a:solidFill>
+                  <a:srgbClr val="DADADA"/>
+                </a:solidFill>
+              </a:rPr>
+            </a:br>
+            <a:r>
+              <a:rPr lang="en-US" altLang="zh-CN" sz="3000" dirty="0">
+                <a:ln>
+                  <a:solidFill>
+                    <a:srgbClr val="000000">
+                      <a:alpha val="9804"/>
+                    </a:srgbClr>
+                  </a:solidFill>
+                </a:ln>
+                <a:solidFill>
+                  <a:srgbClr val="DADADA"/>
+                </a:solidFill>
+              </a:rPr>
+              <a:t>&amp;</a:t>
+            </a:r>
+            <a:br>
+              <a:rPr lang="en-US" altLang="zh-CN" sz="3000" dirty="0">
+                <a:ln>
+                  <a:solidFill>
+                    <a:srgbClr val="000000">
+                      <a:alpha val="9804"/>
+                    </a:srgbClr>
+                  </a:solidFill>
+                </a:ln>
+                <a:solidFill>
+                  <a:srgbClr val="DADADA"/>
+                </a:solidFill>
+              </a:rPr>
+            </a:br>
+            <a:r>
+              <a:rPr lang="en-US" altLang="zh-CN" sz="3000" u="sng" dirty="0">
+                <a:ln>
+                  <a:solidFill>
+                    <a:srgbClr val="000000">
+                      <a:alpha val="9804"/>
+                    </a:srgbClr>
+                  </a:solidFill>
+                </a:ln>
+                <a:solidFill>
+                  <a:srgbClr val="DADADA"/>
+                </a:solidFill>
+              </a:rPr>
+              <a:t>League of Legends</a:t>
+            </a:r>
+            <a:r>
+              <a:rPr lang="en-US" altLang="zh-CN" sz="3000" dirty="0">
+                <a:ln>
+                  <a:solidFill>
+                    <a:srgbClr val="000000">
+                      <a:alpha val="9804"/>
+                    </a:srgbClr>
+                  </a:solidFill>
+                </a:ln>
+                <a:solidFill>
+                  <a:srgbClr val="DADADA"/>
+                </a:solidFill>
+              </a:rPr>
+              <a:t> Item &amp; Champion Learning</a:t>
+            </a:r>
+            <a:br>
+              <a:rPr lang="en-US" altLang="zh-CN" sz="3000" dirty="0">
+                <a:ln>
+                  <a:solidFill>
+                    <a:srgbClr val="000000">
+                      <a:alpha val="9804"/>
+                    </a:srgbClr>
+                  </a:solidFill>
+                </a:ln>
+                <a:solidFill>
+                  <a:srgbClr val="DADADA"/>
+                </a:solidFill>
+              </a:rPr>
+            </a:br>
+            <a:endParaRPr lang="en-US" altLang="zh-CN" sz="3000" dirty="0">
+              <a:ln>
+                <a:solidFill>
+                  <a:srgbClr val="000000">
+                    <a:alpha val="9804"/>
+                  </a:srgbClr>
+                </a:solidFill>
+              </a:ln>
+              <a:solidFill>
+                <a:srgbClr val="DADADA"/>
+              </a:solidFill>
+            </a:endParaRPr>
+          </a:p>
+        </p:txBody>
+      </p:sp>
+      <p:sp>
+        <p:nvSpPr>
+          <p:cNvPr id="3" name="内容占位符 2">
+            <a:extLst>
+              <a:ext uri="{FF2B5EF4-FFF2-40B4-BE49-F238E27FC236}">
+                <a16:creationId xmlns:a16="http://schemas.microsoft.com/office/drawing/2014/main" id="{2AB5FE99-2000-4FF9-8CCF-D21693A3A9D1}"/>
+              </a:ext>
+            </a:extLst>
+          </p:cNvPr>
+          <p:cNvSpPr>
+            <a:spLocks noGrp="1"/>
+          </p:cNvSpPr>
+          <p:nvPr>
+            <p:ph idx="1"/>
+          </p:nvPr>
+        </p:nvSpPr>
+        <p:spPr>
+          <a:xfrm>
+            <a:off x="6672856" y="3598339"/>
+            <a:ext cx="4769669" cy="1675335"/>
+          </a:xfrm>
+        </p:spPr>
+        <p:txBody>
+          <a:bodyPr vert="horz" lIns="91440" tIns="45720" rIns="91440" bIns="45720" rtlCol="0" anchor="t">
+            <a:normAutofit lnSpcReduction="10000"/>
+          </a:bodyPr>
+          <a:lstStyle/>
+          <a:p>
+            <a:pPr indent="-342900" algn="ctr"/>
+            <a:r>
+              <a:rPr lang="en-US" altLang="zh-CN" dirty="0">
+                <a:ln>
+                  <a:solidFill>
+                    <a:srgbClr val="404040">
+                      <a:alpha val="9804"/>
+                    </a:srgbClr>
+                  </a:solidFill>
+                </a:ln>
+                <a:solidFill>
+                  <a:srgbClr val="FF24C5"/>
+                </a:solidFill>
+              </a:rPr>
+              <a:t>Trivia Crack</a:t>
+            </a:r>
+          </a:p>
+          <a:p>
+            <a:pPr indent="-342900" algn="ctr"/>
+            <a:r>
+              <a:rPr lang="en-US" altLang="zh-CN" dirty="0">
+                <a:ln>
+                  <a:solidFill>
+                    <a:srgbClr val="404040">
+                      <a:alpha val="9804"/>
+                    </a:srgbClr>
+                  </a:solidFill>
+                </a:ln>
+                <a:solidFill>
+                  <a:srgbClr val="FF24C5"/>
+                </a:solidFill>
+              </a:rPr>
+              <a:t>Aimed for New Gamers!</a:t>
+            </a:r>
+          </a:p>
+          <a:p>
+            <a:pPr marL="0" indent="0" algn="ctr">
+              <a:buNone/>
+            </a:pPr>
+            <a:r>
+              <a:rPr lang="en-US" altLang="zh-CN" dirty="0">
+                <a:hlinkClick r:id="rId2"/>
+              </a:rPr>
+              <a:t>https://developer.riotgames.com/docs/tft</a:t>
+            </a:r>
+            <a:endParaRPr lang="en-US" altLang="zh-CN" dirty="0"/>
+          </a:p>
+          <a:p>
+            <a:pPr marL="0" indent="0" algn="ctr">
+              <a:buNone/>
+            </a:pPr>
+            <a:r>
+              <a:rPr lang="en-US" altLang="zh-CN" dirty="0">
+                <a:hlinkClick r:id="rId3"/>
+              </a:rPr>
+              <a:t>https://developer.riotgames.com/docs/lol</a:t>
+            </a:r>
+            <a:endParaRPr lang="en-US" altLang="zh-CN" dirty="0">
+              <a:ln>
+                <a:solidFill>
+                  <a:srgbClr val="404040">
+                    <a:alpha val="9804"/>
+                  </a:srgbClr>
+                </a:solidFill>
+              </a:ln>
+              <a:solidFill>
+                <a:srgbClr val="FF24C5"/>
+              </a:solidFill>
+            </a:endParaRPr>
+          </a:p>
+        </p:txBody>
+      </p:sp>
+      <p:sp>
+        <p:nvSpPr>
+          <p:cNvPr id="73" name="Rectangle 72">
+            <a:extLst>
+              <a:ext uri="{FF2B5EF4-FFF2-40B4-BE49-F238E27FC236}">
+                <a16:creationId xmlns:a16="http://schemas.microsoft.com/office/drawing/2014/main" id="{CA8ACC6B-EC7C-4E3C-8D08-C0A3AA40779C}"/>
+              </a:ext>
+              <a:ext uri="{C183D7F6-B498-43B3-948B-1728B52AA6E4}">
+                <adec:decorative xmlns:adec="http://schemas.microsoft.com/office/drawing/2017/decorative" val="1"/>
+              </a:ext>
+            </a:extLst>
+          </p:cNvPr>
+          <p:cNvSpPr>
+            <a:spLocks noGrp="1" noRot="1" noChangeAspect="1" noMove="1" noResize="1" noEditPoints="1" noAdjustHandles="1" noChangeArrowheads="1" noChangeShapeType="1" noTextEdit="1"/>
+          </p:cNvSpPr>
+          <p:nvPr>
+            <p:extLst>
+              <p:ext uri="{386F3935-93C4-4BCD-93E2-E3B085C9AB24}">
+                <p16:designElem xmlns:p16="http://schemas.microsoft.com/office/powerpoint/2015/main" val="1"/>
+              </p:ext>
+            </p:extLst>
+          </p:nvPr>
+        </p:nvSpPr>
+        <p:spPr>
+          <a:xfrm>
+            <a:off x="950614" y="965196"/>
+            <a:ext cx="5042779" cy="4781641"/>
+          </a:xfrm>
+          <a:prstGeom prst="rect">
+            <a:avLst/>
+          </a:prstGeom>
+          <a:solidFill>
+            <a:schemeClr val="bg1"/>
+          </a:solidFill>
+          <a:ln w="190500">
+            <a:solidFill>
+              <a:srgbClr val="F2F2F2">
+                <a:alpha val="7000"/>
+              </a:srgbClr>
+            </a:solidFill>
+          </a:ln>
+        </p:spPr>
+        <p:style>
+          <a:lnRef idx="2">
+            <a:schemeClr val="accent1">
+              <a:shade val="50000"/>
+            </a:schemeClr>
+          </a:lnRef>
+          <a:fillRef idx="1">
+            <a:schemeClr val="accent1"/>
+          </a:fillRef>
+          <a:effectRef idx="0">
+            <a:schemeClr val="accent1"/>
+          </a:effectRef>
+          <a:fontRef idx="minor">
+            <a:schemeClr val="lt1"/>
+          </a:fontRef>
+        </p:style>
+        <p:txBody>
+          <a:bodyPr rtlCol="0" anchor="ctr"/>
+          <a:lstStyle/>
+          <a:p>
+            <a:pPr algn="ctr"/>
+            <a:endParaRPr lang="en-US"/>
+          </a:p>
+        </p:txBody>
+      </p:sp>
+      <p:pic>
+        <p:nvPicPr>
+          <p:cNvPr id="1026" name="Picture 2" descr="Image result for Trivia Crack">
+            <a:extLst>
+              <a:ext uri="{FF2B5EF4-FFF2-40B4-BE49-F238E27FC236}">
+                <a16:creationId xmlns:a16="http://schemas.microsoft.com/office/drawing/2014/main" id="{1059A8A2-C611-47C1-BF2B-E860D2675179}"/>
+              </a:ext>
+            </a:extLst>
+          </p:cNvPr>
+          <p:cNvPicPr>
+            <a:picLocks noChangeAspect="1" noChangeArrowheads="1"/>
+          </p:cNvPicPr>
+          <p:nvPr/>
+        </p:nvPicPr>
+        <p:blipFill>
+          <a:blip r:embed="rId4">
+            <a:extLst>
+              <a:ext uri="{28A0092B-C50C-407E-A947-70E740481C1C}">
+                <a14:useLocalDpi xmlns:a14="http://schemas.microsoft.com/office/drawing/2010/main" val="0"/>
+              </a:ext>
+            </a:extLst>
+          </a:blip>
+          <a:stretch>
+            <a:fillRect/>
+          </a:stretch>
+        </p:blipFill>
+        <p:spPr bwMode="auto">
+          <a:xfrm>
+            <a:off x="1532967" y="1438360"/>
+            <a:ext cx="3835314" cy="3835314"/>
+          </a:xfrm>
+          <a:prstGeom prst="rect">
+            <a:avLst/>
+          </a:prstGeom>
+          <a:noFill/>
+          <a:extLst>
+            <a:ext uri="{909E8E84-426E-40DD-AFC4-6F175D3DCCD1}">
+              <a14:hiddenFill xmlns:a14="http://schemas.microsoft.com/office/drawing/2010/main">
+                <a:solidFill>
+                  <a:srgbClr val="FFFFFF"/>
+                </a:solidFill>
+              </a14:hiddenFill>
+            </a:ext>
+          </a:extLst>
+        </p:spPr>
+      </p:pic>
+    </p:spTree>
+    <p:extLst>
+      <p:ext uri="{BB962C8B-B14F-4D97-AF65-F5344CB8AC3E}">
+        <p14:creationId xmlns:p14="http://schemas.microsoft.com/office/powerpoint/2010/main" val="272551208"/>
+      </p:ext>
+    </p:extLst>
+  </p:cSld>
+  <p:clrMapOvr>
+    <a:overrideClrMapping bg1="lt1" tx1="dk1" bg2="lt2" tx2="dk2" accent1="accent1" accent2="accent2" accent3="accent3" accent4="accent4" accent5="accent5" accent6="accent6" hlink="hlink" folHlink="folHlink"/>
+  </p:clrMapOvr>
+</p:sld>
+</file>
+
+<file path=ppt/slides/slide9.xml><?xml version="1.0" encoding="utf-8"?>
+<p:sld xmlns:a="http://schemas.openxmlformats.org/drawingml/2006/main" xmlns:r="http://schemas.openxmlformats.org/officeDocument/2006/relationships" xmlns:p="http://schemas.openxmlformats.org/presentationml/2006/main">
+  <p:cSld>
+    <p:bg>
+      <p:bgPr>
+        <a:blipFill rotWithShape="1">
+          <a:blip r:embed="rId2">
+            <a:duotone>
+              <a:schemeClr val="bg2">
+                <a:shade val="80000"/>
+                <a:lumMod val="80000"/>
+              </a:schemeClr>
+              <a:schemeClr val="bg2">
+                <a:tint val="98000"/>
+              </a:schemeClr>
+            </a:duotone>
+            <a:extLst/>
+          </a:blip>
+          <a:stretch/>
+        </a:blipFill>
+        <a:effectLst/>
+      </p:bgPr>
+    </p:bg>
+    <p:spTree>
+      <p:nvGrpSpPr>
+        <p:cNvPr id="1" name=""/>
+        <p:cNvGrpSpPr/>
+        <p:nvPr/>
+      </p:nvGrpSpPr>
+      <p:grpSpPr>
+        <a:xfrm>
+          <a:off x="0" y="0"/>
+          <a:ext cx="0" cy="0"/>
+          <a:chOff x="0" y="0"/>
+          <a:chExt cx="0" cy="0"/>
+        </a:xfrm>
+      </p:grpSpPr>
+      <p:sp>
+        <p:nvSpPr>
+          <p:cNvPr id="2" name="标题 1">
+            <a:extLst>
+              <a:ext uri="{FF2B5EF4-FFF2-40B4-BE49-F238E27FC236}">
+                <a16:creationId xmlns:a16="http://schemas.microsoft.com/office/drawing/2014/main" id="{000FCE7B-1217-41C9-AB56-24DBF1C45F3E}"/>
+              </a:ext>
+            </a:extLst>
+          </p:cNvPr>
+          <p:cNvSpPr>
+            <a:spLocks noGrp="1"/>
+          </p:cNvSpPr>
+          <p:nvPr>
+            <p:ph type="title"/>
+          </p:nvPr>
+        </p:nvSpPr>
+        <p:spPr>
+          <a:xfrm>
+            <a:off x="913796" y="609600"/>
+            <a:ext cx="5168052" cy="1117600"/>
+          </a:xfrm>
+        </p:spPr>
+        <p:txBody>
+          <a:bodyPr>
+            <a:normAutofit/>
+          </a:bodyPr>
+          <a:lstStyle/>
+          <a:p>
+            <a:r>
+              <a:rPr lang="en-US" altLang="zh-CN" dirty="0"/>
+              <a:t>New Tetris</a:t>
+            </a:r>
+            <a:endParaRPr lang="zh-CN" altLang="en-US" dirty="0"/>
+          </a:p>
+        </p:txBody>
+      </p:sp>
+      <p:sp>
+        <p:nvSpPr>
+          <p:cNvPr id="15" name="Content Placeholder 7">
+            <a:extLst>
+              <a:ext uri="{FF2B5EF4-FFF2-40B4-BE49-F238E27FC236}">
+                <a16:creationId xmlns:a16="http://schemas.microsoft.com/office/drawing/2014/main" id="{E58F9B88-FB1E-45CF-93C8-7BCE89A50151}"/>
+              </a:ext>
+            </a:extLst>
+          </p:cNvPr>
+          <p:cNvSpPr>
+            <a:spLocks noGrp="1"/>
+          </p:cNvSpPr>
+          <p:nvPr>
+            <p:ph idx="1"/>
+          </p:nvPr>
+        </p:nvSpPr>
+        <p:spPr>
+          <a:xfrm>
+            <a:off x="913796" y="1828800"/>
+            <a:ext cx="5168052" cy="3962400"/>
+          </a:xfrm>
+        </p:spPr>
+        <p:txBody>
+          <a:bodyPr>
+            <a:normAutofit/>
+          </a:bodyPr>
+          <a:lstStyle/>
+          <a:p>
+            <a:pPr>
+              <a:buClr>
+                <a:srgbClr val="F9FF61"/>
+              </a:buClr>
+            </a:pPr>
+            <a:r>
+              <a:rPr lang="en-US" dirty="0"/>
+              <a:t>Horizontally Drag</a:t>
+            </a:r>
+          </a:p>
+          <a:p>
+            <a:pPr>
+              <a:buClr>
+                <a:srgbClr val="F9FF61"/>
+              </a:buClr>
+            </a:pPr>
+            <a:r>
+              <a:rPr lang="en-US" dirty="0"/>
+              <a:t>Combination of both games</a:t>
+            </a:r>
+          </a:p>
+          <a:p>
+            <a:pPr>
+              <a:buClr>
+                <a:srgbClr val="F9FF61"/>
+              </a:buClr>
+            </a:pPr>
+            <a:r>
+              <a:rPr lang="en-US" dirty="0"/>
+              <a:t>Theme</a:t>
+            </a:r>
+          </a:p>
+          <a:p>
+            <a:pPr>
+              <a:buClr>
+                <a:srgbClr val="F9FF61"/>
+              </a:buClr>
+            </a:pPr>
+            <a:r>
+              <a:rPr lang="en-US" dirty="0"/>
+              <a:t>Difficulty increased with time</a:t>
+            </a:r>
+          </a:p>
+        </p:txBody>
+      </p:sp>
+      <p:pic>
+        <p:nvPicPr>
+          <p:cNvPr id="21" name="Picture 20">
+            <a:extLst>
+              <a:ext uri="{FF2B5EF4-FFF2-40B4-BE49-F238E27FC236}">
+                <a16:creationId xmlns:a16="http://schemas.microsoft.com/office/drawing/2014/main" id="{F15A1844-5CB8-438B-B90E-EF2A51CF87B6}"/>
+              </a:ext>
+              <a:ext uri="{C183D7F6-B498-43B3-948B-1728B52AA6E4}">
+                <adec:decorative xmlns:adec="http://schemas.microsoft.com/office/drawing/2017/decorative" val="1"/>
+              </a:ext>
+            </a:extLst>
+          </p:cNvPr>
+          <p:cNvPicPr>
+            <a:picLocks noGrp="1" noRot="1" noChangeAspect="1" noMove="1" noResize="1" noEditPoints="1" noAdjustHandles="1" noChangeArrowheads="1" noChangeShapeType="1" noCrop="1"/>
+          </p:cNvPicPr>
+          <p:nvPr>
+            <p:extLst>
+              <p:ext uri="{386F3935-93C4-4BCD-93E2-E3B085C9AB24}">
+                <p16:designElem xmlns:p16="http://schemas.microsoft.com/office/powerpoint/2015/main" val="1"/>
+              </p:ext>
+            </p:extLst>
+          </p:nvPr>
+        </p:nvPicPr>
+        <p:blipFill rotWithShape="1">
+          <a:blip r:embed="rId3">
+            <a:extLst>
+              <a:ext uri="{28A0092B-C50C-407E-A947-70E740481C1C}">
+                <a14:useLocalDpi xmlns:a14="http://schemas.microsoft.com/office/drawing/2010/main" val="0"/>
+              </a:ext>
+            </a:extLst>
+          </a:blip>
+          <a:srcRect t="964" r="2807" b="1446"/>
+          <a:stretch/>
+        </p:blipFill>
+        <p:spPr>
+          <a:xfrm>
+            <a:off x="6586695" y="1"/>
+            <a:ext cx="5605305" cy="6858000"/>
+          </a:xfrm>
+          <a:prstGeom prst="rect">
+            <a:avLst/>
+          </a:prstGeom>
+        </p:spPr>
+      </p:pic>
+      <p:pic>
+        <p:nvPicPr>
+          <p:cNvPr id="5" name="图片 4" descr="图片包含 屏幕截图&#10;&#10;描述已自动生成">
+            <a:extLst>
+              <a:ext uri="{FF2B5EF4-FFF2-40B4-BE49-F238E27FC236}">
+                <a16:creationId xmlns:a16="http://schemas.microsoft.com/office/drawing/2014/main" id="{B985166E-C682-451A-81ED-B93C96B2CC80}"/>
+              </a:ext>
+            </a:extLst>
+          </p:cNvPr>
+          <p:cNvPicPr>
+            <a:picLocks noChangeAspect="1"/>
+          </p:cNvPicPr>
+          <p:nvPr/>
+        </p:nvPicPr>
+        <p:blipFill rotWithShape="1">
+          <a:blip r:embed="rId4"/>
+          <a:srcRect l="21428" t="15405" r="9918" b="15601"/>
+          <a:stretch/>
+        </p:blipFill>
+        <p:spPr>
+          <a:xfrm>
+            <a:off x="7346946" y="264468"/>
+            <a:ext cx="3794955" cy="3079649"/>
+          </a:xfrm>
+          <a:prstGeom prst="rect">
+            <a:avLst/>
+          </a:prstGeom>
+        </p:spPr>
+      </p:pic>
+      <p:pic>
+        <p:nvPicPr>
+          <p:cNvPr id="4" name="内容占位符 3" descr="图片包含 屏幕截图&#10;&#10;描述已自动生成">
+            <a:extLst>
+              <a:ext uri="{FF2B5EF4-FFF2-40B4-BE49-F238E27FC236}">
+                <a16:creationId xmlns:a16="http://schemas.microsoft.com/office/drawing/2014/main" id="{D0D448B5-D439-4848-9864-996FC6FE17E9}"/>
+              </a:ext>
+            </a:extLst>
+          </p:cNvPr>
+          <p:cNvPicPr>
+            <a:picLocks noChangeAspect="1"/>
+          </p:cNvPicPr>
+          <p:nvPr/>
+        </p:nvPicPr>
+        <p:blipFill rotWithShape="1">
+          <a:blip r:embed="rId5"/>
+          <a:srcRect l="16460" t="1392" r="3" b="3"/>
+          <a:stretch/>
+        </p:blipFill>
+        <p:spPr>
+          <a:xfrm>
+            <a:off x="7346947" y="3344117"/>
+            <a:ext cx="3794954" cy="3079648"/>
+          </a:xfrm>
+          <a:prstGeom prst="rect">
+            <a:avLst/>
+          </a:prstGeom>
+        </p:spPr>
+      </p:pic>
+    </p:spTree>
+    <p:extLst>
+      <p:ext uri="{BB962C8B-B14F-4D97-AF65-F5344CB8AC3E}">
+        <p14:creationId xmlns:p14="http://schemas.microsoft.com/office/powerpoint/2010/main" val="1064061709"/>
+      </p:ext>
+    </p:extLst>
+  </p:cSld>
+  <p:clrMapOvr>
+    <a:masterClrMapping/>
   </p:clrMapOvr>
 </p:sld>
 </file>

--- a/idea.pptx
+++ b/idea.pptx
@@ -6477,7 +6477,6 @@
                 <a:tint val="98000"/>
               </a:schemeClr>
             </a:duotone>
-            <a:extLst/>
           </a:blip>
           <a:stretch/>
         </a:blipFill>
@@ -6746,7 +6745,6 @@
                 <a:tint val="98000"/>
               </a:schemeClr>
             </a:duotone>
-            <a:extLst/>
           </a:blip>
           <a:stretch/>
         </a:blipFill>
@@ -7453,7 +7451,6 @@
                 <a:tint val="98000"/>
               </a:schemeClr>
             </a:duotone>
-            <a:extLst/>
           </a:blip>
           <a:stretch/>
         </a:blipFill>
@@ -8046,51 +8043,6 @@
       </p:sp>
       <p:sp>
         <p:nvSpPr>
-          <p:cNvPr id="2" name="标题 1">
-            <a:extLst>
-              <a:ext uri="{FF2B5EF4-FFF2-40B4-BE49-F238E27FC236}">
-                <a16:creationId xmlns:a16="http://schemas.microsoft.com/office/drawing/2014/main" id="{66A011C8-1E6F-4809-AFE7-0B98BEE4D807}"/>
-              </a:ext>
-            </a:extLst>
-          </p:cNvPr>
-          <p:cNvSpPr>
-            <a:spLocks noGrp="1"/>
-          </p:cNvSpPr>
-          <p:nvPr>
-            <p:ph type="title"/>
-          </p:nvPr>
-        </p:nvSpPr>
-        <p:spPr>
-          <a:xfrm>
-            <a:off x="900506" y="1118808"/>
-            <a:ext cx="4671467" cy="4747683"/>
-          </a:xfrm>
-        </p:spPr>
-        <p:txBody>
-          <a:bodyPr anchor="ctr">
-            <a:normAutofit/>
-          </a:bodyPr>
-          <a:lstStyle/>
-          <a:p>
-            <a:pPr algn="l"/>
-            <a:r>
-              <a:rPr lang="en-US" altLang="zh-CN" sz="4800" dirty="0"/>
-              <a:t>Show the various stages on a macro-scale and micro-scale (</a:t>
-            </a:r>
-            <a:r>
-              <a:rPr lang="en-US" altLang="zh-CN" sz="4800" dirty="0" err="1"/>
-              <a:t>cont</a:t>
-            </a:r>
-            <a:r>
-              <a:rPr lang="en-US" altLang="zh-CN" sz="4800" dirty="0"/>
-              <a:t>)</a:t>
-            </a:r>
-            <a:endParaRPr lang="zh-CN" altLang="en-US" sz="4800" dirty="0"/>
-          </a:p>
-        </p:txBody>
-      </p:sp>
-      <p:sp>
-        <p:nvSpPr>
           <p:cNvPr id="3" name="内容占位符 2">
             <a:extLst>
               <a:ext uri="{FF2B5EF4-FFF2-40B4-BE49-F238E27FC236}">
@@ -8150,6 +8102,404 @@
               <a:rPr lang="en-US" altLang="zh-CN" b="1" dirty="0"/>
               <a:t>Understanding the item power and champion ability to make a meaningful play</a:t>
             </a:r>
+            <a:endParaRPr lang="zh-CN" altLang="en-US" b="1" dirty="0"/>
+          </a:p>
+        </p:txBody>
+      </p:sp>
+      <p:sp>
+        <p:nvSpPr>
+          <p:cNvPr id="6" name="内容占位符 2">
+            <a:extLst>
+              <a:ext uri="{FF2B5EF4-FFF2-40B4-BE49-F238E27FC236}">
+                <a16:creationId xmlns:a16="http://schemas.microsoft.com/office/drawing/2014/main" id="{6FBFE2BE-E6C8-438D-AE1F-D3312E1343B9}"/>
+              </a:ext>
+            </a:extLst>
+          </p:cNvPr>
+          <p:cNvSpPr txBox="1">
+            <a:spLocks/>
+          </p:cNvSpPr>
+          <p:nvPr/>
+        </p:nvSpPr>
+        <p:spPr>
+          <a:xfrm>
+            <a:off x="643468" y="1118808"/>
+            <a:ext cx="5049763" cy="4747681"/>
+          </a:xfrm>
+          <a:prstGeom prst="rect">
+            <a:avLst/>
+          </a:prstGeom>
+          <a:effectLst/>
+        </p:spPr>
+        <p:txBody>
+          <a:bodyPr vert="horz" lIns="91440" tIns="45720" rIns="91440" bIns="45720" rtlCol="0" anchor="ctr">
+            <a:normAutofit/>
+          </a:bodyPr>
+          <a:lstStyle>
+            <a:lvl1pPr marL="342900" indent="-306000" algn="l" defTabSz="457200" rtl="0" eaLnBrk="1" latinLnBrk="0" hangingPunct="1">
+              <a:spcBef>
+                <a:spcPct val="20000"/>
+              </a:spcBef>
+              <a:spcAft>
+                <a:spcPts val="600"/>
+              </a:spcAft>
+              <a:buClr>
+                <a:schemeClr val="tx2"/>
+              </a:buClr>
+              <a:buSzPct val="70000"/>
+              <a:buFont typeface="Wingdings 2" charset="2"/>
+              <a:buChar char=""/>
+              <a:defRPr sz="2000" kern="1200">
+                <a:ln>
+                  <a:solidFill>
+                    <a:schemeClr val="bg1">
+                      <a:lumMod val="75000"/>
+                      <a:lumOff val="25000"/>
+                      <a:alpha val="10000"/>
+                    </a:schemeClr>
+                  </a:solidFill>
+                </a:ln>
+                <a:solidFill>
+                  <a:schemeClr val="tx2"/>
+                </a:solidFill>
+                <a:effectLst>
+                  <a:outerShdw blurRad="9525" dist="25400" dir="14640000" algn="tl" rotWithShape="0">
+                    <a:schemeClr val="bg1">
+                      <a:alpha val="30000"/>
+                    </a:schemeClr>
+                  </a:outerShdw>
+                </a:effectLst>
+                <a:latin typeface="+mn-lt"/>
+                <a:ea typeface="+mn-ea"/>
+                <a:cs typeface="+mn-cs"/>
+              </a:defRPr>
+            </a:lvl1pPr>
+            <a:lvl2pPr marL="720000" indent="-270000" algn="l" defTabSz="457200" rtl="0" eaLnBrk="1" latinLnBrk="0" hangingPunct="1">
+              <a:spcBef>
+                <a:spcPct val="20000"/>
+              </a:spcBef>
+              <a:spcAft>
+                <a:spcPts val="600"/>
+              </a:spcAft>
+              <a:buClr>
+                <a:schemeClr val="tx2"/>
+              </a:buClr>
+              <a:buSzPct val="70000"/>
+              <a:buFont typeface="Wingdings 2" charset="2"/>
+              <a:buChar char=""/>
+              <a:defRPr sz="1800" kern="1200">
+                <a:ln>
+                  <a:solidFill>
+                    <a:schemeClr val="bg1">
+                      <a:lumMod val="75000"/>
+                      <a:lumOff val="25000"/>
+                      <a:alpha val="10000"/>
+                    </a:schemeClr>
+                  </a:solidFill>
+                </a:ln>
+                <a:solidFill>
+                  <a:schemeClr val="tx2"/>
+                </a:solidFill>
+                <a:effectLst>
+                  <a:outerShdw blurRad="9525" dist="25400" dir="14640000" algn="tl" rotWithShape="0">
+                    <a:schemeClr val="bg1">
+                      <a:alpha val="30000"/>
+                    </a:schemeClr>
+                  </a:outerShdw>
+                </a:effectLst>
+                <a:latin typeface="+mn-lt"/>
+                <a:ea typeface="+mn-ea"/>
+                <a:cs typeface="+mn-cs"/>
+              </a:defRPr>
+            </a:lvl2pPr>
+            <a:lvl3pPr marL="1026000" indent="-216000" algn="l" defTabSz="457200" rtl="0" eaLnBrk="1" latinLnBrk="0" hangingPunct="1">
+              <a:spcBef>
+                <a:spcPct val="20000"/>
+              </a:spcBef>
+              <a:spcAft>
+                <a:spcPts val="600"/>
+              </a:spcAft>
+              <a:buClr>
+                <a:schemeClr val="tx2"/>
+              </a:buClr>
+              <a:buSzPct val="70000"/>
+              <a:buFont typeface="Wingdings 2" charset="2"/>
+              <a:buChar char=""/>
+              <a:defRPr sz="1600" kern="1200">
+                <a:ln>
+                  <a:solidFill>
+                    <a:schemeClr val="bg1">
+                      <a:lumMod val="75000"/>
+                      <a:lumOff val="25000"/>
+                      <a:alpha val="10000"/>
+                    </a:schemeClr>
+                  </a:solidFill>
+                </a:ln>
+                <a:solidFill>
+                  <a:schemeClr val="tx2"/>
+                </a:solidFill>
+                <a:effectLst>
+                  <a:outerShdw blurRad="9525" dist="25400" dir="14640000" algn="tl" rotWithShape="0">
+                    <a:schemeClr val="bg1">
+                      <a:alpha val="30000"/>
+                    </a:schemeClr>
+                  </a:outerShdw>
+                </a:effectLst>
+                <a:latin typeface="+mn-lt"/>
+                <a:ea typeface="+mn-ea"/>
+                <a:cs typeface="+mn-cs"/>
+              </a:defRPr>
+            </a:lvl3pPr>
+            <a:lvl4pPr marL="1386000" indent="-216000" algn="l" defTabSz="457200" rtl="0" eaLnBrk="1" latinLnBrk="0" hangingPunct="1">
+              <a:spcBef>
+                <a:spcPct val="20000"/>
+              </a:spcBef>
+              <a:spcAft>
+                <a:spcPts val="600"/>
+              </a:spcAft>
+              <a:buClr>
+                <a:schemeClr val="tx2"/>
+              </a:buClr>
+              <a:buSzPct val="70000"/>
+              <a:buFont typeface="Wingdings 2" charset="2"/>
+              <a:buChar char=""/>
+              <a:defRPr sz="1400" kern="1200">
+                <a:ln>
+                  <a:solidFill>
+                    <a:schemeClr val="bg1">
+                      <a:lumMod val="75000"/>
+                      <a:lumOff val="25000"/>
+                      <a:alpha val="10000"/>
+                    </a:schemeClr>
+                  </a:solidFill>
+                </a:ln>
+                <a:solidFill>
+                  <a:schemeClr val="tx2"/>
+                </a:solidFill>
+                <a:effectLst>
+                  <a:outerShdw blurRad="9525" dist="25400" dir="14640000" algn="tl" rotWithShape="0">
+                    <a:schemeClr val="bg1">
+                      <a:alpha val="30000"/>
+                    </a:schemeClr>
+                  </a:outerShdw>
+                </a:effectLst>
+                <a:latin typeface="+mn-lt"/>
+                <a:ea typeface="+mn-ea"/>
+                <a:cs typeface="+mn-cs"/>
+              </a:defRPr>
+            </a:lvl4pPr>
+            <a:lvl5pPr marL="1674000" indent="-216000" algn="l" defTabSz="457200" rtl="0" eaLnBrk="1" latinLnBrk="0" hangingPunct="1">
+              <a:spcBef>
+                <a:spcPct val="20000"/>
+              </a:spcBef>
+              <a:spcAft>
+                <a:spcPts val="600"/>
+              </a:spcAft>
+              <a:buClr>
+                <a:schemeClr val="tx2"/>
+              </a:buClr>
+              <a:buSzPct val="70000"/>
+              <a:buFont typeface="Wingdings 2" charset="2"/>
+              <a:buChar char=""/>
+              <a:defRPr sz="1400" kern="1200">
+                <a:ln>
+                  <a:solidFill>
+                    <a:schemeClr val="bg1">
+                      <a:lumMod val="75000"/>
+                      <a:lumOff val="25000"/>
+                      <a:alpha val="10000"/>
+                    </a:schemeClr>
+                  </a:solidFill>
+                </a:ln>
+                <a:solidFill>
+                  <a:schemeClr val="tx2"/>
+                </a:solidFill>
+                <a:effectLst>
+                  <a:outerShdw blurRad="9525" dist="25400" dir="14640000" algn="tl" rotWithShape="0">
+                    <a:schemeClr val="bg1">
+                      <a:alpha val="30000"/>
+                    </a:schemeClr>
+                  </a:outerShdw>
+                </a:effectLst>
+                <a:latin typeface="+mn-lt"/>
+                <a:ea typeface="+mn-ea"/>
+                <a:cs typeface="+mn-cs"/>
+              </a:defRPr>
+            </a:lvl5pPr>
+            <a:lvl6pPr marL="2014600" indent="-228600" algn="l" defTabSz="457200" rtl="0" eaLnBrk="1" latinLnBrk="0" hangingPunct="1">
+              <a:spcBef>
+                <a:spcPct val="20000"/>
+              </a:spcBef>
+              <a:spcAft>
+                <a:spcPts val="600"/>
+              </a:spcAft>
+              <a:buClr>
+                <a:schemeClr val="tx2"/>
+              </a:buClr>
+              <a:buSzPct val="70000"/>
+              <a:buFont typeface="Wingdings 2" charset="2"/>
+              <a:buChar char=""/>
+              <a:defRPr sz="1400" kern="1200">
+                <a:ln>
+                  <a:solidFill>
+                    <a:schemeClr val="bg1">
+                      <a:lumMod val="75000"/>
+                      <a:lumOff val="25000"/>
+                      <a:alpha val="10000"/>
+                    </a:schemeClr>
+                  </a:solidFill>
+                </a:ln>
+                <a:solidFill>
+                  <a:schemeClr val="tx2"/>
+                </a:solidFill>
+                <a:effectLst>
+                  <a:outerShdw blurRad="9525" dist="25400" dir="14640000" algn="tl" rotWithShape="0">
+                    <a:schemeClr val="bg1">
+                      <a:alpha val="30000"/>
+                    </a:schemeClr>
+                  </a:outerShdw>
+                </a:effectLst>
+                <a:latin typeface="+mn-lt"/>
+                <a:ea typeface="+mn-ea"/>
+                <a:cs typeface="+mn-cs"/>
+              </a:defRPr>
+            </a:lvl6pPr>
+            <a:lvl7pPr marL="2401800" indent="-228600" algn="l" defTabSz="457200" rtl="0" eaLnBrk="1" latinLnBrk="0" hangingPunct="1">
+              <a:spcBef>
+                <a:spcPct val="20000"/>
+              </a:spcBef>
+              <a:spcAft>
+                <a:spcPts val="600"/>
+              </a:spcAft>
+              <a:buClr>
+                <a:schemeClr val="tx2"/>
+              </a:buClr>
+              <a:buSzPct val="70000"/>
+              <a:buFont typeface="Wingdings 2" charset="2"/>
+              <a:buChar char=""/>
+              <a:defRPr sz="1400" kern="1200">
+                <a:ln>
+                  <a:solidFill>
+                    <a:schemeClr val="bg1">
+                      <a:lumMod val="75000"/>
+                      <a:lumOff val="25000"/>
+                      <a:alpha val="10000"/>
+                    </a:schemeClr>
+                  </a:solidFill>
+                </a:ln>
+                <a:solidFill>
+                  <a:schemeClr val="tx2"/>
+                </a:solidFill>
+                <a:effectLst>
+                  <a:outerShdw blurRad="9525" dist="25400" dir="14640000" algn="tl" rotWithShape="0">
+                    <a:schemeClr val="bg1">
+                      <a:alpha val="30000"/>
+                    </a:schemeClr>
+                  </a:outerShdw>
+                </a:effectLst>
+                <a:latin typeface="+mn-lt"/>
+                <a:ea typeface="+mn-ea"/>
+                <a:cs typeface="+mn-cs"/>
+              </a:defRPr>
+            </a:lvl7pPr>
+            <a:lvl8pPr marL="2789000" indent="-228600" algn="l" defTabSz="457200" rtl="0" eaLnBrk="1" latinLnBrk="0" hangingPunct="1">
+              <a:spcBef>
+                <a:spcPct val="20000"/>
+              </a:spcBef>
+              <a:spcAft>
+                <a:spcPts val="600"/>
+              </a:spcAft>
+              <a:buClr>
+                <a:schemeClr val="tx2"/>
+              </a:buClr>
+              <a:buSzPct val="70000"/>
+              <a:buFont typeface="Wingdings 2" charset="2"/>
+              <a:buChar char=""/>
+              <a:defRPr sz="1400" kern="1200">
+                <a:ln>
+                  <a:solidFill>
+                    <a:schemeClr val="bg1">
+                      <a:lumMod val="75000"/>
+                      <a:lumOff val="25000"/>
+                      <a:alpha val="10000"/>
+                    </a:schemeClr>
+                  </a:solidFill>
+                </a:ln>
+                <a:solidFill>
+                  <a:schemeClr val="tx2"/>
+                </a:solidFill>
+                <a:effectLst>
+                  <a:outerShdw blurRad="9525" dist="25400" dir="14640000" algn="tl" rotWithShape="0">
+                    <a:schemeClr val="bg1">
+                      <a:alpha val="30000"/>
+                    </a:schemeClr>
+                  </a:outerShdw>
+                </a:effectLst>
+                <a:latin typeface="+mn-lt"/>
+                <a:ea typeface="+mn-ea"/>
+                <a:cs typeface="+mn-cs"/>
+              </a:defRPr>
+            </a:lvl8pPr>
+            <a:lvl9pPr marL="3106200" indent="-228600" algn="l" defTabSz="457200" rtl="0" eaLnBrk="1" latinLnBrk="0" hangingPunct="1">
+              <a:spcBef>
+                <a:spcPct val="20000"/>
+              </a:spcBef>
+              <a:spcAft>
+                <a:spcPts val="600"/>
+              </a:spcAft>
+              <a:buClr>
+                <a:schemeClr val="tx2"/>
+              </a:buClr>
+              <a:buSzPct val="70000"/>
+              <a:buFont typeface="Wingdings 2" charset="2"/>
+              <a:buChar char=""/>
+              <a:defRPr sz="1400" kern="1200">
+                <a:ln>
+                  <a:solidFill>
+                    <a:schemeClr val="bg1">
+                      <a:lumMod val="75000"/>
+                      <a:lumOff val="25000"/>
+                      <a:alpha val="10000"/>
+                    </a:schemeClr>
+                  </a:solidFill>
+                </a:ln>
+                <a:solidFill>
+                  <a:schemeClr val="tx2"/>
+                </a:solidFill>
+                <a:effectLst>
+                  <a:outerShdw blurRad="9525" dist="25400" dir="14640000" algn="tl" rotWithShape="0">
+                    <a:schemeClr val="bg1">
+                      <a:alpha val="30000"/>
+                    </a:schemeClr>
+                  </a:outerShdw>
+                </a:effectLst>
+                <a:latin typeface="+mn-lt"/>
+                <a:ea typeface="+mn-ea"/>
+                <a:cs typeface="+mn-cs"/>
+              </a:defRPr>
+            </a:lvl9pPr>
+          </a:lstStyle>
+          <a:p>
+            <a:r>
+              <a:rPr lang="en-US" altLang="zh-CN" b="1" dirty="0"/>
+              <a:t>New Tetris</a:t>
+            </a:r>
+          </a:p>
+          <a:p>
+            <a:pPr lvl="1"/>
+            <a:r>
+              <a:rPr lang="en-US" altLang="zh-CN" b="1" dirty="0"/>
+              <a:t>Meaningful Play instantaneously</a:t>
+            </a:r>
+          </a:p>
+          <a:p>
+            <a:pPr lvl="1"/>
+            <a:r>
+              <a:rPr lang="en-US" altLang="zh-CN" b="1" dirty="0"/>
+              <a:t>Meaningful Play Potentially</a:t>
+            </a:r>
+          </a:p>
+          <a:p>
+            <a:pPr lvl="1"/>
             <a:endParaRPr lang="zh-CN" altLang="en-US" b="1" dirty="0"/>
           </a:p>
         </p:txBody>
@@ -9266,7 +9616,6 @@
                 <a:tint val="98000"/>
               </a:schemeClr>
             </a:duotone>
-            <a:extLst/>
           </a:blip>
           <a:stretch/>
         </a:blipFill>
